--- a/Teamer.pptx
+++ b/Teamer.pptx
@@ -222,7 +222,7 @@
           <a:p>
             <a:fld id="{A475BD0F-648E-467A-A636-69955938710C}" type="datetimeFigureOut">
               <a:rPr lang="de-DE" smtClean="0"/>
-              <a:t>22.01.2025</a:t>
+              <a:t>25.01.2025</a:t>
             </a:fld>
             <a:endParaRPr lang="de-DE"/>
           </a:p>
@@ -399,7 +399,7 @@
           <a:p>
             <a:fld id="{5C29B23B-13F4-4796-97E3-381DEB9A55AC}" type="datetimeFigureOut">
               <a:rPr lang="de-DE" smtClean="0"/>
-              <a:t>22.01.2025</a:t>
+              <a:t>25.01.2025</a:t>
             </a:fld>
             <a:endParaRPr lang="de-DE"/>
           </a:p>
@@ -1113,7 +1113,7 @@
           <a:p>
             <a:fld id="{79C2F003-99E1-48AA-97ED-3A7A4F8A3DF4}" type="datetimeFigureOut">
               <a:rPr lang="de-DE" smtClean="0"/>
-              <a:t>22.01.2025</a:t>
+              <a:t>25.01.2025</a:t>
             </a:fld>
             <a:endParaRPr lang="de-DE"/>
           </a:p>
@@ -1311,7 +1311,7 @@
           <a:p>
             <a:fld id="{79C2F003-99E1-48AA-97ED-3A7A4F8A3DF4}" type="datetimeFigureOut">
               <a:rPr lang="de-DE" smtClean="0"/>
-              <a:t>22.01.2025</a:t>
+              <a:t>25.01.2025</a:t>
             </a:fld>
             <a:endParaRPr lang="de-DE"/>
           </a:p>
@@ -1519,7 +1519,7 @@
           <a:p>
             <a:fld id="{79C2F003-99E1-48AA-97ED-3A7A4F8A3DF4}" type="datetimeFigureOut">
               <a:rPr lang="de-DE" smtClean="0"/>
-              <a:t>22.01.2025</a:t>
+              <a:t>25.01.2025</a:t>
             </a:fld>
             <a:endParaRPr lang="de-DE"/>
           </a:p>
@@ -1717,7 +1717,7 @@
           <a:p>
             <a:fld id="{79C2F003-99E1-48AA-97ED-3A7A4F8A3DF4}" type="datetimeFigureOut">
               <a:rPr lang="de-DE" smtClean="0"/>
-              <a:t>22.01.2025</a:t>
+              <a:t>25.01.2025</a:t>
             </a:fld>
             <a:endParaRPr lang="de-DE"/>
           </a:p>
@@ -1992,7 +1992,7 @@
           <a:p>
             <a:fld id="{79C2F003-99E1-48AA-97ED-3A7A4F8A3DF4}" type="datetimeFigureOut">
               <a:rPr lang="de-DE" smtClean="0"/>
-              <a:t>22.01.2025</a:t>
+              <a:t>25.01.2025</a:t>
             </a:fld>
             <a:endParaRPr lang="de-DE"/>
           </a:p>
@@ -2257,7 +2257,7 @@
           <a:p>
             <a:fld id="{79C2F003-99E1-48AA-97ED-3A7A4F8A3DF4}" type="datetimeFigureOut">
               <a:rPr lang="de-DE" smtClean="0"/>
-              <a:t>22.01.2025</a:t>
+              <a:t>25.01.2025</a:t>
             </a:fld>
             <a:endParaRPr lang="de-DE"/>
           </a:p>
@@ -2669,7 +2669,7 @@
           <a:p>
             <a:fld id="{79C2F003-99E1-48AA-97ED-3A7A4F8A3DF4}" type="datetimeFigureOut">
               <a:rPr lang="de-DE" smtClean="0"/>
-              <a:t>22.01.2025</a:t>
+              <a:t>25.01.2025</a:t>
             </a:fld>
             <a:endParaRPr lang="de-DE"/>
           </a:p>
@@ -2810,7 +2810,7 @@
           <a:p>
             <a:fld id="{79C2F003-99E1-48AA-97ED-3A7A4F8A3DF4}" type="datetimeFigureOut">
               <a:rPr lang="de-DE" smtClean="0"/>
-              <a:t>22.01.2025</a:t>
+              <a:t>25.01.2025</a:t>
             </a:fld>
             <a:endParaRPr lang="de-DE"/>
           </a:p>
@@ -2923,7 +2923,7 @@
           <a:p>
             <a:fld id="{79C2F003-99E1-48AA-97ED-3A7A4F8A3DF4}" type="datetimeFigureOut">
               <a:rPr lang="de-DE" smtClean="0"/>
-              <a:t>22.01.2025</a:t>
+              <a:t>25.01.2025</a:t>
             </a:fld>
             <a:endParaRPr lang="de-DE"/>
           </a:p>
@@ -3234,7 +3234,7 @@
           <a:p>
             <a:fld id="{79C2F003-99E1-48AA-97ED-3A7A4F8A3DF4}" type="datetimeFigureOut">
               <a:rPr lang="de-DE" smtClean="0"/>
-              <a:t>22.01.2025</a:t>
+              <a:t>25.01.2025</a:t>
             </a:fld>
             <a:endParaRPr lang="de-DE"/>
           </a:p>
@@ -3522,7 +3522,7 @@
           <a:p>
             <a:fld id="{79C2F003-99E1-48AA-97ED-3A7A4F8A3DF4}" type="datetimeFigureOut">
               <a:rPr lang="de-DE" smtClean="0"/>
-              <a:t>22.01.2025</a:t>
+              <a:t>25.01.2025</a:t>
             </a:fld>
             <a:endParaRPr lang="de-DE"/>
           </a:p>
@@ -3763,7 +3763,7 @@
           <a:p>
             <a:fld id="{79C2F003-99E1-48AA-97ED-3A7A4F8A3DF4}" type="datetimeFigureOut">
               <a:rPr lang="de-DE" smtClean="0"/>
-              <a:t>22.01.2025</a:t>
+              <a:t>25.01.2025</a:t>
             </a:fld>
             <a:endParaRPr lang="de-DE"/>
           </a:p>

--- a/Teamer.pptx
+++ b/Teamer.pptx
@@ -5,20 +5,21 @@
     <p:sldMasterId id="2147483648" r:id="rId1"/>
   </p:sldMasterIdLst>
   <p:notesMasterIdLst>
-    <p:notesMasterId r:id="rId10"/>
+    <p:notesMasterId r:id="rId11"/>
   </p:notesMasterIdLst>
   <p:handoutMasterIdLst>
-    <p:handoutMasterId r:id="rId11"/>
+    <p:handoutMasterId r:id="rId12"/>
   </p:handoutMasterIdLst>
   <p:sldIdLst>
     <p:sldId id="257" r:id="rId2"/>
-    <p:sldId id="263" r:id="rId3"/>
-    <p:sldId id="262" r:id="rId4"/>
-    <p:sldId id="258" r:id="rId5"/>
-    <p:sldId id="264" r:id="rId6"/>
-    <p:sldId id="265" r:id="rId7"/>
-    <p:sldId id="266" r:id="rId8"/>
-    <p:sldId id="261" r:id="rId9"/>
+    <p:sldId id="262" r:id="rId3"/>
+    <p:sldId id="258" r:id="rId4"/>
+    <p:sldId id="264" r:id="rId5"/>
+    <p:sldId id="265" r:id="rId6"/>
+    <p:sldId id="266" r:id="rId7"/>
+    <p:sldId id="261" r:id="rId8"/>
+    <p:sldId id="263" r:id="rId9"/>
+    <p:sldId id="267" r:id="rId10"/>
   </p:sldIdLst>
   <p:sldSz cx="12192000" cy="6858000"/>
   <p:notesSz cx="6858000" cy="9144000"/>
@@ -222,7 +223,7 @@
           <a:p>
             <a:fld id="{A475BD0F-648E-467A-A636-69955938710C}" type="datetimeFigureOut">
               <a:rPr lang="de-DE" smtClean="0"/>
-              <a:t>25.01.2025</a:t>
+              <a:t>07.02.2025</a:t>
             </a:fld>
             <a:endParaRPr lang="de-DE"/>
           </a:p>
@@ -399,7 +400,7 @@
           <a:p>
             <a:fld id="{5C29B23B-13F4-4796-97E3-381DEB9A55AC}" type="datetimeFigureOut">
               <a:rPr lang="de-DE" smtClean="0"/>
-              <a:t>25.01.2025</a:t>
+              <a:t>07.02.2025</a:t>
             </a:fld>
             <a:endParaRPr lang="de-DE"/>
           </a:p>
@@ -731,7 +732,7 @@
           <a:p>
             <a:fld id="{80A614E8-98D1-445F-B659-304813CAFA81}" type="slidenum">
               <a:rPr lang="de-DE" smtClean="0"/>
-              <a:t>5</a:t>
+              <a:t>4</a:t>
             </a:fld>
             <a:endParaRPr lang="de-DE"/>
           </a:p>
@@ -839,7 +840,7 @@
           <a:p>
             <a:fld id="{80A614E8-98D1-445F-B659-304813CAFA81}" type="slidenum">
               <a:rPr lang="de-DE" smtClean="0"/>
-              <a:t>6</a:t>
+              <a:t>5</a:t>
             </a:fld>
             <a:endParaRPr lang="de-DE"/>
           </a:p>
@@ -947,7 +948,7 @@
           <a:p>
             <a:fld id="{80A614E8-98D1-445F-B659-304813CAFA81}" type="slidenum">
               <a:rPr lang="de-DE" smtClean="0"/>
-              <a:t>7</a:t>
+              <a:t>6</a:t>
             </a:fld>
             <a:endParaRPr lang="de-DE"/>
           </a:p>
@@ -1113,7 +1114,7 @@
           <a:p>
             <a:fld id="{79C2F003-99E1-48AA-97ED-3A7A4F8A3DF4}" type="datetimeFigureOut">
               <a:rPr lang="de-DE" smtClean="0"/>
-              <a:t>25.01.2025</a:t>
+              <a:t>07.02.2025</a:t>
             </a:fld>
             <a:endParaRPr lang="de-DE"/>
           </a:p>
@@ -1311,7 +1312,7 @@
           <a:p>
             <a:fld id="{79C2F003-99E1-48AA-97ED-3A7A4F8A3DF4}" type="datetimeFigureOut">
               <a:rPr lang="de-DE" smtClean="0"/>
-              <a:t>25.01.2025</a:t>
+              <a:t>07.02.2025</a:t>
             </a:fld>
             <a:endParaRPr lang="de-DE"/>
           </a:p>
@@ -1519,7 +1520,7 @@
           <a:p>
             <a:fld id="{79C2F003-99E1-48AA-97ED-3A7A4F8A3DF4}" type="datetimeFigureOut">
               <a:rPr lang="de-DE" smtClean="0"/>
-              <a:t>25.01.2025</a:t>
+              <a:t>07.02.2025</a:t>
             </a:fld>
             <a:endParaRPr lang="de-DE"/>
           </a:p>
@@ -1717,7 +1718,7 @@
           <a:p>
             <a:fld id="{79C2F003-99E1-48AA-97ED-3A7A4F8A3DF4}" type="datetimeFigureOut">
               <a:rPr lang="de-DE" smtClean="0"/>
-              <a:t>25.01.2025</a:t>
+              <a:t>07.02.2025</a:t>
             </a:fld>
             <a:endParaRPr lang="de-DE"/>
           </a:p>
@@ -1992,7 +1993,7 @@
           <a:p>
             <a:fld id="{79C2F003-99E1-48AA-97ED-3A7A4F8A3DF4}" type="datetimeFigureOut">
               <a:rPr lang="de-DE" smtClean="0"/>
-              <a:t>25.01.2025</a:t>
+              <a:t>07.02.2025</a:t>
             </a:fld>
             <a:endParaRPr lang="de-DE"/>
           </a:p>
@@ -2257,7 +2258,7 @@
           <a:p>
             <a:fld id="{79C2F003-99E1-48AA-97ED-3A7A4F8A3DF4}" type="datetimeFigureOut">
               <a:rPr lang="de-DE" smtClean="0"/>
-              <a:t>25.01.2025</a:t>
+              <a:t>07.02.2025</a:t>
             </a:fld>
             <a:endParaRPr lang="de-DE"/>
           </a:p>
@@ -2669,7 +2670,7 @@
           <a:p>
             <a:fld id="{79C2F003-99E1-48AA-97ED-3A7A4F8A3DF4}" type="datetimeFigureOut">
               <a:rPr lang="de-DE" smtClean="0"/>
-              <a:t>25.01.2025</a:t>
+              <a:t>07.02.2025</a:t>
             </a:fld>
             <a:endParaRPr lang="de-DE"/>
           </a:p>
@@ -2810,7 +2811,7 @@
           <a:p>
             <a:fld id="{79C2F003-99E1-48AA-97ED-3A7A4F8A3DF4}" type="datetimeFigureOut">
               <a:rPr lang="de-DE" smtClean="0"/>
-              <a:t>25.01.2025</a:t>
+              <a:t>07.02.2025</a:t>
             </a:fld>
             <a:endParaRPr lang="de-DE"/>
           </a:p>
@@ -2923,7 +2924,7 @@
           <a:p>
             <a:fld id="{79C2F003-99E1-48AA-97ED-3A7A4F8A3DF4}" type="datetimeFigureOut">
               <a:rPr lang="de-DE" smtClean="0"/>
-              <a:t>25.01.2025</a:t>
+              <a:t>07.02.2025</a:t>
             </a:fld>
             <a:endParaRPr lang="de-DE"/>
           </a:p>
@@ -3234,7 +3235,7 @@
           <a:p>
             <a:fld id="{79C2F003-99E1-48AA-97ED-3A7A4F8A3DF4}" type="datetimeFigureOut">
               <a:rPr lang="de-DE" smtClean="0"/>
-              <a:t>25.01.2025</a:t>
+              <a:t>07.02.2025</a:t>
             </a:fld>
             <a:endParaRPr lang="de-DE"/>
           </a:p>
@@ -3522,7 +3523,7 @@
           <a:p>
             <a:fld id="{79C2F003-99E1-48AA-97ED-3A7A4F8A3DF4}" type="datetimeFigureOut">
               <a:rPr lang="de-DE" smtClean="0"/>
-              <a:t>25.01.2025</a:t>
+              <a:t>07.02.2025</a:t>
             </a:fld>
             <a:endParaRPr lang="de-DE"/>
           </a:p>
@@ -3763,7 +3764,7 @@
           <a:p>
             <a:fld id="{79C2F003-99E1-48AA-97ED-3A7A4F8A3DF4}" type="datetimeFigureOut">
               <a:rPr lang="de-DE" smtClean="0"/>
-              <a:t>25.01.2025</a:t>
+              <a:t>07.02.2025</a:t>
             </a:fld>
             <a:endParaRPr lang="de-DE"/>
           </a:p>
@@ -5498,418 +5499,6 @@
   <p:cSld>
     <p:spTree>
       <p:nvGrpSpPr>
-        <p:cNvPr id="1" name="">
-          <a:extLst>
-            <a:ext uri="{FF2B5EF4-FFF2-40B4-BE49-F238E27FC236}">
-              <a16:creationId xmlns:a16="http://schemas.microsoft.com/office/drawing/2014/main" id="{5AC63231-CBEC-F207-1299-911705F223ED}"/>
-            </a:ext>
-          </a:extLst>
-        </p:cNvPr>
-        <p:cNvGrpSpPr/>
-        <p:nvPr/>
-      </p:nvGrpSpPr>
-      <p:grpSpPr>
-        <a:xfrm>
-          <a:off x="0" y="0"/>
-          <a:ext cx="0" cy="0"/>
-          <a:chOff x="0" y="0"/>
-          <a:chExt cx="0" cy="0"/>
-        </a:xfrm>
-      </p:grpSpPr>
-      <p:grpSp>
-        <p:nvGrpSpPr>
-          <p:cNvPr id="2" name="Gruppieren 1">
-            <a:extLst>
-              <a:ext uri="{FF2B5EF4-FFF2-40B4-BE49-F238E27FC236}">
-                <a16:creationId xmlns:a16="http://schemas.microsoft.com/office/drawing/2014/main" id="{10F8C3C9-DB81-E561-0543-08BF23D319A7}"/>
-              </a:ext>
-            </a:extLst>
-          </p:cNvPr>
-          <p:cNvGrpSpPr>
-            <a:grpSpLocks noChangeAspect="1"/>
-          </p:cNvGrpSpPr>
-          <p:nvPr/>
-        </p:nvGrpSpPr>
-        <p:grpSpPr>
-          <a:xfrm>
-            <a:off x="151203" y="167840"/>
-            <a:ext cx="466921" cy="476560"/>
-            <a:chOff x="2066806" y="2061000"/>
-            <a:chExt cx="2736000" cy="2736000"/>
-          </a:xfrm>
-        </p:grpSpPr>
-        <p:sp>
-          <p:nvSpPr>
-            <p:cNvPr id="3" name="Rechteck: abgerundete Ecken 2">
-              <a:extLst>
-                <a:ext uri="{FF2B5EF4-FFF2-40B4-BE49-F238E27FC236}">
-                  <a16:creationId xmlns:a16="http://schemas.microsoft.com/office/drawing/2014/main" id="{916CDACD-847B-19D4-0094-F017A7DFEABF}"/>
-                </a:ext>
-              </a:extLst>
-            </p:cNvPr>
-            <p:cNvSpPr>
-              <a:spLocks noChangeAspect="1"/>
-            </p:cNvSpPr>
-            <p:nvPr/>
-          </p:nvSpPr>
-          <p:spPr>
-            <a:xfrm>
-              <a:off x="2066806" y="2061000"/>
-              <a:ext cx="2736000" cy="2736000"/>
-            </a:xfrm>
-            <a:prstGeom prst="roundRect">
-              <a:avLst/>
-            </a:prstGeom>
-            <a:solidFill>
-              <a:srgbClr val="262626"/>
-            </a:solidFill>
-            <a:ln>
-              <a:noFill/>
-            </a:ln>
-          </p:spPr>
-          <p:style>
-            <a:lnRef idx="2">
-              <a:schemeClr val="accent1">
-                <a:shade val="15000"/>
-              </a:schemeClr>
-            </a:lnRef>
-            <a:fillRef idx="1">
-              <a:schemeClr val="accent1"/>
-            </a:fillRef>
-            <a:effectRef idx="0">
-              <a:schemeClr val="accent1"/>
-            </a:effectRef>
-            <a:fontRef idx="minor">
-              <a:schemeClr val="lt1"/>
-            </a:fontRef>
-          </p:style>
-          <p:txBody>
-            <a:bodyPr rtlCol="0" anchor="ctr"/>
-            <a:lstStyle/>
-            <a:p>
-              <a:pPr algn="ctr"/>
-              <a:endParaRPr lang="de-DE"/>
-            </a:p>
-          </p:txBody>
-        </p:sp>
-        <p:pic>
-          <p:nvPicPr>
-            <p:cNvPr id="6" name="Grafik 5" descr="Ein Bild, das Ball, Golf, Golfball, Sportausrüstung enthält.&#10;&#10;Automatisch generierte Beschreibung">
-              <a:extLst>
-                <a:ext uri="{FF2B5EF4-FFF2-40B4-BE49-F238E27FC236}">
-                  <a16:creationId xmlns:a16="http://schemas.microsoft.com/office/drawing/2014/main" id="{08A271F2-7DCA-F5AE-0FEF-907F19CE9BAA}"/>
-                </a:ext>
-              </a:extLst>
-            </p:cNvPr>
-            <p:cNvPicPr>
-              <a:picLocks noChangeAspect="1"/>
-            </p:cNvPicPr>
-            <p:nvPr/>
-          </p:nvPicPr>
-          <p:blipFill>
-            <a:blip r:embed="rId2">
-              <a:extLst>
-                <a:ext uri="{28A0092B-C50C-407E-A947-70E740481C1C}">
-                  <a14:useLocalDpi xmlns:a14="http://schemas.microsoft.com/office/drawing/2010/main" val="0"/>
-                </a:ext>
-              </a:extLst>
-            </a:blip>
-            <a:stretch>
-              <a:fillRect/>
-            </a:stretch>
-          </p:blipFill>
-          <p:spPr>
-            <a:xfrm>
-              <a:off x="2456478" y="2451138"/>
-              <a:ext cx="1956656" cy="1956656"/>
-            </a:xfrm>
-            <a:prstGeom prst="rect">
-              <a:avLst/>
-            </a:prstGeom>
-          </p:spPr>
-        </p:pic>
-      </p:grpSp>
-      <p:sp>
-        <p:nvSpPr>
-          <p:cNvPr id="8" name="Titel 1">
-            <a:extLst>
-              <a:ext uri="{FF2B5EF4-FFF2-40B4-BE49-F238E27FC236}">
-                <a16:creationId xmlns:a16="http://schemas.microsoft.com/office/drawing/2014/main" id="{A1D2C1C5-EEC4-8634-FDD7-AC37F1C693E8}"/>
-              </a:ext>
-            </a:extLst>
-          </p:cNvPr>
-          <p:cNvSpPr txBox="1">
-            <a:spLocks/>
-          </p:cNvSpPr>
-          <p:nvPr/>
-        </p:nvSpPr>
-        <p:spPr>
-          <a:xfrm>
-            <a:off x="601160" y="131897"/>
-            <a:ext cx="2434140" cy="599245"/>
-          </a:xfrm>
-          <a:prstGeom prst="rect">
-            <a:avLst/>
-          </a:prstGeom>
-        </p:spPr>
-        <p:txBody>
-          <a:bodyPr vert="horz" lIns="91440" tIns="45720" rIns="91440" bIns="45720" rtlCol="0" anchor="ctr">
-            <a:normAutofit/>
-          </a:bodyPr>
-          <a:lstStyle>
-            <a:lvl1pPr algn="l" defTabSz="914400" rtl="0" eaLnBrk="1" latinLnBrk="0" hangingPunct="1">
-              <a:lnSpc>
-                <a:spcPct val="90000"/>
-              </a:lnSpc>
-              <a:spcBef>
-                <a:spcPct val="0"/>
-              </a:spcBef>
-              <a:buNone/>
-              <a:defRPr sz="4400" kern="1200">
-                <a:solidFill>
-                  <a:schemeClr val="tx1"/>
-                </a:solidFill>
-                <a:latin typeface="+mj-lt"/>
-                <a:ea typeface="+mj-ea"/>
-                <a:cs typeface="+mj-cs"/>
-              </a:defRPr>
-            </a:lvl1pPr>
-          </a:lstStyle>
-          <a:p>
-            <a:pPr algn="ctr"/>
-            <a:r>
-              <a:rPr lang="en-US" sz="3200" b="1">
-                <a:solidFill>
-                  <a:schemeClr val="bg2">
-                    <a:lumMod val="50000"/>
-                  </a:schemeClr>
-                </a:solidFill>
-              </a:rPr>
-              <a:t>Teamer App</a:t>
-            </a:r>
-          </a:p>
-        </p:txBody>
-      </p:sp>
-      <p:grpSp>
-        <p:nvGrpSpPr>
-          <p:cNvPr id="151" name="Gruppieren 150">
-            <a:extLst>
-              <a:ext uri="{FF2B5EF4-FFF2-40B4-BE49-F238E27FC236}">
-                <a16:creationId xmlns:a16="http://schemas.microsoft.com/office/drawing/2014/main" id="{DCF13DE1-B047-C775-29CC-8CD7BEF53307}"/>
-              </a:ext>
-            </a:extLst>
-          </p:cNvPr>
-          <p:cNvGrpSpPr/>
-          <p:nvPr/>
-        </p:nvGrpSpPr>
-        <p:grpSpPr>
-          <a:xfrm>
-            <a:off x="2" y="6404400"/>
-            <a:ext cx="12191998" cy="453600"/>
-            <a:chOff x="0" y="5946701"/>
-            <a:chExt cx="12191998" cy="453600"/>
-          </a:xfrm>
-        </p:grpSpPr>
-        <p:sp>
-          <p:nvSpPr>
-            <p:cNvPr id="152" name="Rechteck 151">
-              <a:extLst>
-                <a:ext uri="{FF2B5EF4-FFF2-40B4-BE49-F238E27FC236}">
-                  <a16:creationId xmlns:a16="http://schemas.microsoft.com/office/drawing/2014/main" id="{AA5DF330-008E-41A0-6855-33B825C39B36}"/>
-                </a:ext>
-              </a:extLst>
-            </p:cNvPr>
-            <p:cNvSpPr/>
-            <p:nvPr/>
-          </p:nvSpPr>
-          <p:spPr>
-            <a:xfrm>
-              <a:off x="0" y="5946701"/>
-              <a:ext cx="4038600" cy="453600"/>
-            </a:xfrm>
-            <a:prstGeom prst="rect">
-              <a:avLst/>
-            </a:prstGeom>
-            <a:gradFill>
-              <a:gsLst>
-                <a:gs pos="39000">
-                  <a:srgbClr val="114D68"/>
-                </a:gs>
-                <a:gs pos="0">
-                  <a:srgbClr val="155E7F"/>
-                </a:gs>
-                <a:gs pos="100000">
-                  <a:srgbClr val="0D3C52"/>
-                </a:gs>
-              </a:gsLst>
-              <a:lin ang="600000" scaled="0"/>
-            </a:gradFill>
-            <a:ln>
-              <a:noFill/>
-            </a:ln>
-          </p:spPr>
-          <p:style>
-            <a:lnRef idx="2">
-              <a:schemeClr val="accent1">
-                <a:shade val="15000"/>
-              </a:schemeClr>
-            </a:lnRef>
-            <a:fillRef idx="1">
-              <a:schemeClr val="accent1"/>
-            </a:fillRef>
-            <a:effectRef idx="0">
-              <a:schemeClr val="accent1"/>
-            </a:effectRef>
-            <a:fontRef idx="minor">
-              <a:schemeClr val="lt1"/>
-            </a:fontRef>
-          </p:style>
-          <p:txBody>
-            <a:bodyPr rtlCol="0" anchor="ctr"/>
-            <a:lstStyle/>
-            <a:p>
-              <a:pPr algn="ctr"/>
-              <a:endParaRPr lang="de-DE"/>
-            </a:p>
-          </p:txBody>
-        </p:sp>
-        <p:sp>
-          <p:nvSpPr>
-            <p:cNvPr id="153" name="Rechteck 152">
-              <a:extLst>
-                <a:ext uri="{FF2B5EF4-FFF2-40B4-BE49-F238E27FC236}">
-                  <a16:creationId xmlns:a16="http://schemas.microsoft.com/office/drawing/2014/main" id="{D987AEEE-B84D-90FE-4534-D7B379C51630}"/>
-                </a:ext>
-              </a:extLst>
-            </p:cNvPr>
-            <p:cNvSpPr/>
-            <p:nvPr/>
-          </p:nvSpPr>
-          <p:spPr>
-            <a:xfrm>
-              <a:off x="4038600" y="5946701"/>
-              <a:ext cx="8153398" cy="453600"/>
-            </a:xfrm>
-            <a:prstGeom prst="rect">
-              <a:avLst/>
-            </a:prstGeom>
-            <a:gradFill>
-              <a:gsLst>
-                <a:gs pos="39000">
-                  <a:srgbClr val="0A2D3E"/>
-                </a:gs>
-                <a:gs pos="0">
-                  <a:srgbClr val="071F2A"/>
-                </a:gs>
-                <a:gs pos="100000">
-                  <a:srgbClr val="104760"/>
-                </a:gs>
-              </a:gsLst>
-              <a:lin ang="600000" scaled="0"/>
-            </a:gradFill>
-            <a:ln>
-              <a:noFill/>
-            </a:ln>
-          </p:spPr>
-          <p:style>
-            <a:lnRef idx="2">
-              <a:schemeClr val="accent1">
-                <a:shade val="15000"/>
-              </a:schemeClr>
-            </a:lnRef>
-            <a:fillRef idx="1">
-              <a:schemeClr val="accent1"/>
-            </a:fillRef>
-            <a:effectRef idx="0">
-              <a:schemeClr val="accent1"/>
-            </a:effectRef>
-            <a:fontRef idx="minor">
-              <a:schemeClr val="lt1"/>
-            </a:fontRef>
-          </p:style>
-          <p:txBody>
-            <a:bodyPr rtlCol="0" anchor="ctr"/>
-            <a:lstStyle/>
-            <a:p>
-              <a:pPr algn="ctr"/>
-              <a:endParaRPr lang="de-DE"/>
-            </a:p>
-          </p:txBody>
-        </p:sp>
-      </p:grpSp>
-      <p:sp>
-        <p:nvSpPr>
-          <p:cNvPr id="5" name="Textfeld 4">
-            <a:extLst>
-              <a:ext uri="{FF2B5EF4-FFF2-40B4-BE49-F238E27FC236}">
-                <a16:creationId xmlns:a16="http://schemas.microsoft.com/office/drawing/2014/main" id="{A9231FCB-EAC5-B1C8-4C5E-67198DCD2965}"/>
-              </a:ext>
-            </a:extLst>
-          </p:cNvPr>
-          <p:cNvSpPr txBox="1"/>
-          <p:nvPr/>
-        </p:nvSpPr>
-        <p:spPr>
-          <a:xfrm>
-            <a:off x="1809750" y="1085850"/>
-            <a:ext cx="6953250" cy="923330"/>
-          </a:xfrm>
-          <a:prstGeom prst="rect">
-            <a:avLst/>
-          </a:prstGeom>
-          <a:noFill/>
-        </p:spPr>
-        <p:txBody>
-          <a:bodyPr wrap="square" rtlCol="0">
-            <a:spAutoFit/>
-          </a:bodyPr>
-          <a:lstStyle/>
-          <a:p>
-            <a:r>
-              <a:rPr lang="de-DE" b="1"/>
-              <a:t>Todos</a:t>
-            </a:r>
-          </a:p>
-          <a:p>
-            <a:pPr marL="285750" indent="-285750">
-              <a:buFontTx/>
-              <a:buChar char="-"/>
-            </a:pPr>
-            <a:r>
-              <a:rPr lang="de-DE"/>
-              <a:t>Screen Spielarchiv ersetllen (Mit Löschbutton)</a:t>
-            </a:r>
-          </a:p>
-          <a:p>
-            <a:pPr marL="285750" indent="-285750">
-              <a:buFontTx/>
-              <a:buChar char="-"/>
-            </a:pPr>
-            <a:r>
-              <a:rPr lang="de-DE"/>
-              <a:t>Screen Stats erstellen </a:t>
-            </a:r>
-          </a:p>
-        </p:txBody>
-      </p:sp>
-    </p:spTree>
-    <p:extLst>
-      <p:ext uri="{BB962C8B-B14F-4D97-AF65-F5344CB8AC3E}">
-        <p14:creationId xmlns:p14="http://schemas.microsoft.com/office/powerpoint/2010/main" val="3393241662"/>
-      </p:ext>
-    </p:extLst>
-  </p:cSld>
-  <p:clrMapOvr>
-    <a:masterClrMapping/>
-  </p:clrMapOvr>
-</p:sld>
-</file>
-
-<file path=ppt/slides/slide3.xml><?xml version="1.0" encoding="utf-8"?>
-<p:sld xmlns:a="http://schemas.openxmlformats.org/drawingml/2006/main" xmlns:r="http://schemas.openxmlformats.org/officeDocument/2006/relationships" xmlns:p="http://schemas.openxmlformats.org/presentationml/2006/main">
-  <p:cSld>
-    <p:spTree>
-      <p:nvGrpSpPr>
         <p:cNvPr id="1" name=""/>
         <p:cNvGrpSpPr/>
         <p:nvPr/>
@@ -7134,7 +6723,7 @@
 </p:sld>
 </file>
 
-<file path=ppt/slides/slide4.xml><?xml version="1.0" encoding="utf-8"?>
+<file path=ppt/slides/slide3.xml><?xml version="1.0" encoding="utf-8"?>
 <p:sld xmlns:a="http://schemas.openxmlformats.org/drawingml/2006/main" xmlns:r="http://schemas.openxmlformats.org/officeDocument/2006/relationships" xmlns:p="http://schemas.openxmlformats.org/presentationml/2006/main">
   <p:cSld>
     <p:spTree>
@@ -14168,7 +13757,7 @@
 </p:sld>
 </file>
 
-<file path=ppt/slides/slide5.xml><?xml version="1.0" encoding="utf-8"?>
+<file path=ppt/slides/slide4.xml><?xml version="1.0" encoding="utf-8"?>
 <p:sld xmlns:a="http://schemas.openxmlformats.org/drawingml/2006/main" xmlns:r="http://schemas.openxmlformats.org/officeDocument/2006/relationships" xmlns:p="http://schemas.openxmlformats.org/presentationml/2006/main">
   <p:cSld>
     <p:spTree>
@@ -17849,7 +17438,7 @@
 </p:sld>
 </file>
 
-<file path=ppt/slides/slide6.xml><?xml version="1.0" encoding="utf-8"?>
+<file path=ppt/slides/slide5.xml><?xml version="1.0" encoding="utf-8"?>
 <p:sld xmlns:a="http://schemas.openxmlformats.org/drawingml/2006/main" xmlns:r="http://schemas.openxmlformats.org/officeDocument/2006/relationships" xmlns:p="http://schemas.openxmlformats.org/presentationml/2006/main">
   <p:cSld>
     <p:spTree>
@@ -21159,7 +20748,7 @@
 </p:sld>
 </file>
 
-<file path=ppt/slides/slide7.xml><?xml version="1.0" encoding="utf-8"?>
+<file path=ppt/slides/slide6.xml><?xml version="1.0" encoding="utf-8"?>
 <p:sld xmlns:a="http://schemas.openxmlformats.org/drawingml/2006/main" xmlns:r="http://schemas.openxmlformats.org/officeDocument/2006/relationships" xmlns:p="http://schemas.openxmlformats.org/presentationml/2006/main">
   <p:cSld>
     <p:spTree>
@@ -24546,7 +24135,7 @@
 </p:sld>
 </file>
 
-<file path=ppt/slides/slide8.xml><?xml version="1.0" encoding="utf-8"?>
+<file path=ppt/slides/slide7.xml><?xml version="1.0" encoding="utf-8"?>
 <p:sld xmlns:a="http://schemas.openxmlformats.org/drawingml/2006/main" xmlns:r="http://schemas.openxmlformats.org/officeDocument/2006/relationships" xmlns:p="http://schemas.openxmlformats.org/presentationml/2006/main">
   <p:cSld>
     <p:spTree>
@@ -25272,6 +24861,1082 @@
     <p:extLst>
       <p:ext uri="{BB962C8B-B14F-4D97-AF65-F5344CB8AC3E}">
         <p14:creationId xmlns:p14="http://schemas.microsoft.com/office/powerpoint/2010/main" val="618765304"/>
+      </p:ext>
+    </p:extLst>
+  </p:cSld>
+  <p:clrMapOvr>
+    <a:masterClrMapping/>
+  </p:clrMapOvr>
+</p:sld>
+</file>
+
+<file path=ppt/slides/slide8.xml><?xml version="1.0" encoding="utf-8"?>
+<p:sld xmlns:a="http://schemas.openxmlformats.org/drawingml/2006/main" xmlns:r="http://schemas.openxmlformats.org/officeDocument/2006/relationships" xmlns:p="http://schemas.openxmlformats.org/presentationml/2006/main">
+  <p:cSld>
+    <p:spTree>
+      <p:nvGrpSpPr>
+        <p:cNvPr id="1" name="">
+          <a:extLst>
+            <a:ext uri="{FF2B5EF4-FFF2-40B4-BE49-F238E27FC236}">
+              <a16:creationId xmlns:a16="http://schemas.microsoft.com/office/drawing/2014/main" id="{5AC63231-CBEC-F207-1299-911705F223ED}"/>
+            </a:ext>
+          </a:extLst>
+        </p:cNvPr>
+        <p:cNvGrpSpPr/>
+        <p:nvPr/>
+      </p:nvGrpSpPr>
+      <p:grpSpPr>
+        <a:xfrm>
+          <a:off x="0" y="0"/>
+          <a:ext cx="0" cy="0"/>
+          <a:chOff x="0" y="0"/>
+          <a:chExt cx="0" cy="0"/>
+        </a:xfrm>
+      </p:grpSpPr>
+      <p:grpSp>
+        <p:nvGrpSpPr>
+          <p:cNvPr id="2" name="Gruppieren 1">
+            <a:extLst>
+              <a:ext uri="{FF2B5EF4-FFF2-40B4-BE49-F238E27FC236}">
+                <a16:creationId xmlns:a16="http://schemas.microsoft.com/office/drawing/2014/main" id="{10F8C3C9-DB81-E561-0543-08BF23D319A7}"/>
+              </a:ext>
+            </a:extLst>
+          </p:cNvPr>
+          <p:cNvGrpSpPr>
+            <a:grpSpLocks noChangeAspect="1"/>
+          </p:cNvGrpSpPr>
+          <p:nvPr/>
+        </p:nvGrpSpPr>
+        <p:grpSpPr>
+          <a:xfrm>
+            <a:off x="151203" y="167840"/>
+            <a:ext cx="466921" cy="476560"/>
+            <a:chOff x="2066806" y="2061000"/>
+            <a:chExt cx="2736000" cy="2736000"/>
+          </a:xfrm>
+        </p:grpSpPr>
+        <p:sp>
+          <p:nvSpPr>
+            <p:cNvPr id="3" name="Rechteck: abgerundete Ecken 2">
+              <a:extLst>
+                <a:ext uri="{FF2B5EF4-FFF2-40B4-BE49-F238E27FC236}">
+                  <a16:creationId xmlns:a16="http://schemas.microsoft.com/office/drawing/2014/main" id="{916CDACD-847B-19D4-0094-F017A7DFEABF}"/>
+                </a:ext>
+              </a:extLst>
+            </p:cNvPr>
+            <p:cNvSpPr>
+              <a:spLocks noChangeAspect="1"/>
+            </p:cNvSpPr>
+            <p:nvPr/>
+          </p:nvSpPr>
+          <p:spPr>
+            <a:xfrm>
+              <a:off x="2066806" y="2061000"/>
+              <a:ext cx="2736000" cy="2736000"/>
+            </a:xfrm>
+            <a:prstGeom prst="roundRect">
+              <a:avLst/>
+            </a:prstGeom>
+            <a:solidFill>
+              <a:srgbClr val="262626"/>
+            </a:solidFill>
+            <a:ln>
+              <a:noFill/>
+            </a:ln>
+          </p:spPr>
+          <p:style>
+            <a:lnRef idx="2">
+              <a:schemeClr val="accent1">
+                <a:shade val="15000"/>
+              </a:schemeClr>
+            </a:lnRef>
+            <a:fillRef idx="1">
+              <a:schemeClr val="accent1"/>
+            </a:fillRef>
+            <a:effectRef idx="0">
+              <a:schemeClr val="accent1"/>
+            </a:effectRef>
+            <a:fontRef idx="minor">
+              <a:schemeClr val="lt1"/>
+            </a:fontRef>
+          </p:style>
+          <p:txBody>
+            <a:bodyPr rtlCol="0" anchor="ctr"/>
+            <a:lstStyle/>
+            <a:p>
+              <a:pPr algn="ctr"/>
+              <a:endParaRPr lang="de-DE"/>
+            </a:p>
+          </p:txBody>
+        </p:sp>
+        <p:pic>
+          <p:nvPicPr>
+            <p:cNvPr id="6" name="Grafik 5" descr="Ein Bild, das Ball, Golf, Golfball, Sportausrüstung enthält.&#10;&#10;Automatisch generierte Beschreibung">
+              <a:extLst>
+                <a:ext uri="{FF2B5EF4-FFF2-40B4-BE49-F238E27FC236}">
+                  <a16:creationId xmlns:a16="http://schemas.microsoft.com/office/drawing/2014/main" id="{08A271F2-7DCA-F5AE-0FEF-907F19CE9BAA}"/>
+                </a:ext>
+              </a:extLst>
+            </p:cNvPr>
+            <p:cNvPicPr>
+              <a:picLocks noChangeAspect="1"/>
+            </p:cNvPicPr>
+            <p:nvPr/>
+          </p:nvPicPr>
+          <p:blipFill>
+            <a:blip r:embed="rId2">
+              <a:extLst>
+                <a:ext uri="{28A0092B-C50C-407E-A947-70E740481C1C}">
+                  <a14:useLocalDpi xmlns:a14="http://schemas.microsoft.com/office/drawing/2010/main" val="0"/>
+                </a:ext>
+              </a:extLst>
+            </a:blip>
+            <a:stretch>
+              <a:fillRect/>
+            </a:stretch>
+          </p:blipFill>
+          <p:spPr>
+            <a:xfrm>
+              <a:off x="2456478" y="2451138"/>
+              <a:ext cx="1956656" cy="1956656"/>
+            </a:xfrm>
+            <a:prstGeom prst="rect">
+              <a:avLst/>
+            </a:prstGeom>
+          </p:spPr>
+        </p:pic>
+      </p:grpSp>
+      <p:sp>
+        <p:nvSpPr>
+          <p:cNvPr id="8" name="Titel 1">
+            <a:extLst>
+              <a:ext uri="{FF2B5EF4-FFF2-40B4-BE49-F238E27FC236}">
+                <a16:creationId xmlns:a16="http://schemas.microsoft.com/office/drawing/2014/main" id="{A1D2C1C5-EEC4-8634-FDD7-AC37F1C693E8}"/>
+              </a:ext>
+            </a:extLst>
+          </p:cNvPr>
+          <p:cNvSpPr txBox="1">
+            <a:spLocks/>
+          </p:cNvSpPr>
+          <p:nvPr/>
+        </p:nvSpPr>
+        <p:spPr>
+          <a:xfrm>
+            <a:off x="601160" y="131897"/>
+            <a:ext cx="2434140" cy="599245"/>
+          </a:xfrm>
+          <a:prstGeom prst="rect">
+            <a:avLst/>
+          </a:prstGeom>
+        </p:spPr>
+        <p:txBody>
+          <a:bodyPr vert="horz" lIns="91440" tIns="45720" rIns="91440" bIns="45720" rtlCol="0" anchor="ctr">
+            <a:normAutofit/>
+          </a:bodyPr>
+          <a:lstStyle>
+            <a:lvl1pPr algn="l" defTabSz="914400" rtl="0" eaLnBrk="1" latinLnBrk="0" hangingPunct="1">
+              <a:lnSpc>
+                <a:spcPct val="90000"/>
+              </a:lnSpc>
+              <a:spcBef>
+                <a:spcPct val="0"/>
+              </a:spcBef>
+              <a:buNone/>
+              <a:defRPr sz="4400" kern="1200">
+                <a:solidFill>
+                  <a:schemeClr val="tx1"/>
+                </a:solidFill>
+                <a:latin typeface="+mj-lt"/>
+                <a:ea typeface="+mj-ea"/>
+                <a:cs typeface="+mj-cs"/>
+              </a:defRPr>
+            </a:lvl1pPr>
+          </a:lstStyle>
+          <a:p>
+            <a:pPr algn="ctr"/>
+            <a:r>
+              <a:rPr lang="en-US" sz="3200" b="1">
+                <a:solidFill>
+                  <a:schemeClr val="bg2">
+                    <a:lumMod val="50000"/>
+                  </a:schemeClr>
+                </a:solidFill>
+              </a:rPr>
+              <a:t>Teamer App</a:t>
+            </a:r>
+          </a:p>
+        </p:txBody>
+      </p:sp>
+      <p:grpSp>
+        <p:nvGrpSpPr>
+          <p:cNvPr id="151" name="Gruppieren 150">
+            <a:extLst>
+              <a:ext uri="{FF2B5EF4-FFF2-40B4-BE49-F238E27FC236}">
+                <a16:creationId xmlns:a16="http://schemas.microsoft.com/office/drawing/2014/main" id="{DCF13DE1-B047-C775-29CC-8CD7BEF53307}"/>
+              </a:ext>
+            </a:extLst>
+          </p:cNvPr>
+          <p:cNvGrpSpPr/>
+          <p:nvPr/>
+        </p:nvGrpSpPr>
+        <p:grpSpPr>
+          <a:xfrm>
+            <a:off x="2" y="6404400"/>
+            <a:ext cx="12191998" cy="453600"/>
+            <a:chOff x="0" y="5946701"/>
+            <a:chExt cx="12191998" cy="453600"/>
+          </a:xfrm>
+        </p:grpSpPr>
+        <p:sp>
+          <p:nvSpPr>
+            <p:cNvPr id="152" name="Rechteck 151">
+              <a:extLst>
+                <a:ext uri="{FF2B5EF4-FFF2-40B4-BE49-F238E27FC236}">
+                  <a16:creationId xmlns:a16="http://schemas.microsoft.com/office/drawing/2014/main" id="{AA5DF330-008E-41A0-6855-33B825C39B36}"/>
+                </a:ext>
+              </a:extLst>
+            </p:cNvPr>
+            <p:cNvSpPr/>
+            <p:nvPr/>
+          </p:nvSpPr>
+          <p:spPr>
+            <a:xfrm>
+              <a:off x="0" y="5946701"/>
+              <a:ext cx="4038600" cy="453600"/>
+            </a:xfrm>
+            <a:prstGeom prst="rect">
+              <a:avLst/>
+            </a:prstGeom>
+            <a:gradFill>
+              <a:gsLst>
+                <a:gs pos="39000">
+                  <a:srgbClr val="114D68"/>
+                </a:gs>
+                <a:gs pos="0">
+                  <a:srgbClr val="155E7F"/>
+                </a:gs>
+                <a:gs pos="100000">
+                  <a:srgbClr val="0D3C52"/>
+                </a:gs>
+              </a:gsLst>
+              <a:lin ang="600000" scaled="0"/>
+            </a:gradFill>
+            <a:ln>
+              <a:noFill/>
+            </a:ln>
+          </p:spPr>
+          <p:style>
+            <a:lnRef idx="2">
+              <a:schemeClr val="accent1">
+                <a:shade val="15000"/>
+              </a:schemeClr>
+            </a:lnRef>
+            <a:fillRef idx="1">
+              <a:schemeClr val="accent1"/>
+            </a:fillRef>
+            <a:effectRef idx="0">
+              <a:schemeClr val="accent1"/>
+            </a:effectRef>
+            <a:fontRef idx="minor">
+              <a:schemeClr val="lt1"/>
+            </a:fontRef>
+          </p:style>
+          <p:txBody>
+            <a:bodyPr rtlCol="0" anchor="ctr"/>
+            <a:lstStyle/>
+            <a:p>
+              <a:pPr algn="ctr"/>
+              <a:endParaRPr lang="de-DE"/>
+            </a:p>
+          </p:txBody>
+        </p:sp>
+        <p:sp>
+          <p:nvSpPr>
+            <p:cNvPr id="153" name="Rechteck 152">
+              <a:extLst>
+                <a:ext uri="{FF2B5EF4-FFF2-40B4-BE49-F238E27FC236}">
+                  <a16:creationId xmlns:a16="http://schemas.microsoft.com/office/drawing/2014/main" id="{D987AEEE-B84D-90FE-4534-D7B379C51630}"/>
+                </a:ext>
+              </a:extLst>
+            </p:cNvPr>
+            <p:cNvSpPr/>
+            <p:nvPr/>
+          </p:nvSpPr>
+          <p:spPr>
+            <a:xfrm>
+              <a:off x="4038600" y="5946701"/>
+              <a:ext cx="8153398" cy="453600"/>
+            </a:xfrm>
+            <a:prstGeom prst="rect">
+              <a:avLst/>
+            </a:prstGeom>
+            <a:gradFill>
+              <a:gsLst>
+                <a:gs pos="39000">
+                  <a:srgbClr val="0A2D3E"/>
+                </a:gs>
+                <a:gs pos="0">
+                  <a:srgbClr val="071F2A"/>
+                </a:gs>
+                <a:gs pos="100000">
+                  <a:srgbClr val="104760"/>
+                </a:gs>
+              </a:gsLst>
+              <a:lin ang="600000" scaled="0"/>
+            </a:gradFill>
+            <a:ln>
+              <a:noFill/>
+            </a:ln>
+          </p:spPr>
+          <p:style>
+            <a:lnRef idx="2">
+              <a:schemeClr val="accent1">
+                <a:shade val="15000"/>
+              </a:schemeClr>
+            </a:lnRef>
+            <a:fillRef idx="1">
+              <a:schemeClr val="accent1"/>
+            </a:fillRef>
+            <a:effectRef idx="0">
+              <a:schemeClr val="accent1"/>
+            </a:effectRef>
+            <a:fontRef idx="minor">
+              <a:schemeClr val="lt1"/>
+            </a:fontRef>
+          </p:style>
+          <p:txBody>
+            <a:bodyPr rtlCol="0" anchor="ctr"/>
+            <a:lstStyle/>
+            <a:p>
+              <a:pPr algn="ctr"/>
+              <a:endParaRPr lang="de-DE"/>
+            </a:p>
+          </p:txBody>
+        </p:sp>
+      </p:grpSp>
+      <p:sp>
+        <p:nvSpPr>
+          <p:cNvPr id="5" name="Textfeld 4">
+            <a:extLst>
+              <a:ext uri="{FF2B5EF4-FFF2-40B4-BE49-F238E27FC236}">
+                <a16:creationId xmlns:a16="http://schemas.microsoft.com/office/drawing/2014/main" id="{A9231FCB-EAC5-B1C8-4C5E-67198DCD2965}"/>
+              </a:ext>
+            </a:extLst>
+          </p:cNvPr>
+          <p:cNvSpPr txBox="1"/>
+          <p:nvPr/>
+        </p:nvSpPr>
+        <p:spPr>
+          <a:xfrm>
+            <a:off x="1809750" y="1085850"/>
+            <a:ext cx="6953250" cy="923330"/>
+          </a:xfrm>
+          <a:prstGeom prst="rect">
+            <a:avLst/>
+          </a:prstGeom>
+          <a:noFill/>
+        </p:spPr>
+        <p:txBody>
+          <a:bodyPr wrap="square" rtlCol="0">
+            <a:spAutoFit/>
+          </a:bodyPr>
+          <a:lstStyle/>
+          <a:p>
+            <a:r>
+              <a:rPr lang="de-DE" b="1"/>
+              <a:t>Todos</a:t>
+            </a:r>
+          </a:p>
+          <a:p>
+            <a:pPr marL="285750" indent="-285750">
+              <a:buFontTx/>
+              <a:buChar char="-"/>
+            </a:pPr>
+            <a:r>
+              <a:rPr lang="de-DE"/>
+              <a:t>Screen Spielarchiv ersetllen (Mit Löschbutton)</a:t>
+            </a:r>
+          </a:p>
+          <a:p>
+            <a:pPr marL="285750" indent="-285750">
+              <a:buFontTx/>
+              <a:buChar char="-"/>
+            </a:pPr>
+            <a:r>
+              <a:rPr lang="de-DE"/>
+              <a:t>Screen Stats erstellen </a:t>
+            </a:r>
+          </a:p>
+        </p:txBody>
+      </p:sp>
+    </p:spTree>
+    <p:extLst>
+      <p:ext uri="{BB962C8B-B14F-4D97-AF65-F5344CB8AC3E}">
+        <p14:creationId xmlns:p14="http://schemas.microsoft.com/office/powerpoint/2010/main" val="3393241662"/>
+      </p:ext>
+    </p:extLst>
+  </p:cSld>
+  <p:clrMapOvr>
+    <a:masterClrMapping/>
+  </p:clrMapOvr>
+</p:sld>
+</file>
+
+<file path=ppt/slides/slide9.xml><?xml version="1.0" encoding="utf-8"?>
+<p:sld xmlns:a="http://schemas.openxmlformats.org/drawingml/2006/main" xmlns:r="http://schemas.openxmlformats.org/officeDocument/2006/relationships" xmlns:p="http://schemas.openxmlformats.org/presentationml/2006/main">
+  <p:cSld>
+    <p:spTree>
+      <p:nvGrpSpPr>
+        <p:cNvPr id="1" name="">
+          <a:extLst>
+            <a:ext uri="{FF2B5EF4-FFF2-40B4-BE49-F238E27FC236}">
+              <a16:creationId xmlns:a16="http://schemas.microsoft.com/office/drawing/2014/main" id="{97AAD0FC-1A96-D093-732A-7F22DD89DAC4}"/>
+            </a:ext>
+          </a:extLst>
+        </p:cNvPr>
+        <p:cNvGrpSpPr/>
+        <p:nvPr/>
+      </p:nvGrpSpPr>
+      <p:grpSpPr>
+        <a:xfrm>
+          <a:off x="0" y="0"/>
+          <a:ext cx="0" cy="0"/>
+          <a:chOff x="0" y="0"/>
+          <a:chExt cx="0" cy="0"/>
+        </a:xfrm>
+      </p:grpSpPr>
+      <p:grpSp>
+        <p:nvGrpSpPr>
+          <p:cNvPr id="2" name="Gruppieren 1">
+            <a:extLst>
+              <a:ext uri="{FF2B5EF4-FFF2-40B4-BE49-F238E27FC236}">
+                <a16:creationId xmlns:a16="http://schemas.microsoft.com/office/drawing/2014/main" id="{42897A15-03A0-960E-F995-CF99FD6BCAC6}"/>
+              </a:ext>
+            </a:extLst>
+          </p:cNvPr>
+          <p:cNvGrpSpPr>
+            <a:grpSpLocks noChangeAspect="1"/>
+          </p:cNvGrpSpPr>
+          <p:nvPr/>
+        </p:nvGrpSpPr>
+        <p:grpSpPr>
+          <a:xfrm>
+            <a:off x="151203" y="167840"/>
+            <a:ext cx="466921" cy="476560"/>
+            <a:chOff x="2066806" y="2061000"/>
+            <a:chExt cx="2736000" cy="2736000"/>
+          </a:xfrm>
+        </p:grpSpPr>
+        <p:sp>
+          <p:nvSpPr>
+            <p:cNvPr id="3" name="Rechteck: abgerundete Ecken 2">
+              <a:extLst>
+                <a:ext uri="{FF2B5EF4-FFF2-40B4-BE49-F238E27FC236}">
+                  <a16:creationId xmlns:a16="http://schemas.microsoft.com/office/drawing/2014/main" id="{EC551834-748E-0D6D-A246-A841DC0DA8E6}"/>
+                </a:ext>
+              </a:extLst>
+            </p:cNvPr>
+            <p:cNvSpPr>
+              <a:spLocks noChangeAspect="1"/>
+            </p:cNvSpPr>
+            <p:nvPr/>
+          </p:nvSpPr>
+          <p:spPr>
+            <a:xfrm>
+              <a:off x="2066806" y="2061000"/>
+              <a:ext cx="2736000" cy="2736000"/>
+            </a:xfrm>
+            <a:prstGeom prst="roundRect">
+              <a:avLst/>
+            </a:prstGeom>
+            <a:solidFill>
+              <a:srgbClr val="262626"/>
+            </a:solidFill>
+            <a:ln>
+              <a:noFill/>
+            </a:ln>
+          </p:spPr>
+          <p:style>
+            <a:lnRef idx="2">
+              <a:schemeClr val="accent1">
+                <a:shade val="15000"/>
+              </a:schemeClr>
+            </a:lnRef>
+            <a:fillRef idx="1">
+              <a:schemeClr val="accent1"/>
+            </a:fillRef>
+            <a:effectRef idx="0">
+              <a:schemeClr val="accent1"/>
+            </a:effectRef>
+            <a:fontRef idx="minor">
+              <a:schemeClr val="lt1"/>
+            </a:fontRef>
+          </p:style>
+          <p:txBody>
+            <a:bodyPr rtlCol="0" anchor="ctr"/>
+            <a:lstStyle/>
+            <a:p>
+              <a:pPr algn="ctr"/>
+              <a:endParaRPr lang="de-DE"/>
+            </a:p>
+          </p:txBody>
+        </p:sp>
+        <p:pic>
+          <p:nvPicPr>
+            <p:cNvPr id="6" name="Grafik 5" descr="Ein Bild, das Ball, Golf, Golfball, Sportausrüstung enthält.&#10;&#10;Automatisch generierte Beschreibung">
+              <a:extLst>
+                <a:ext uri="{FF2B5EF4-FFF2-40B4-BE49-F238E27FC236}">
+                  <a16:creationId xmlns:a16="http://schemas.microsoft.com/office/drawing/2014/main" id="{F1C76D66-69FC-FD10-C627-DC6100C3C225}"/>
+                </a:ext>
+              </a:extLst>
+            </p:cNvPr>
+            <p:cNvPicPr>
+              <a:picLocks noChangeAspect="1"/>
+            </p:cNvPicPr>
+            <p:nvPr/>
+          </p:nvPicPr>
+          <p:blipFill>
+            <a:blip r:embed="rId2">
+              <a:extLst>
+                <a:ext uri="{28A0092B-C50C-407E-A947-70E740481C1C}">
+                  <a14:useLocalDpi xmlns:a14="http://schemas.microsoft.com/office/drawing/2010/main" val="0"/>
+                </a:ext>
+              </a:extLst>
+            </a:blip>
+            <a:stretch>
+              <a:fillRect/>
+            </a:stretch>
+          </p:blipFill>
+          <p:spPr>
+            <a:xfrm>
+              <a:off x="2456478" y="2451138"/>
+              <a:ext cx="1956656" cy="1956656"/>
+            </a:xfrm>
+            <a:prstGeom prst="rect">
+              <a:avLst/>
+            </a:prstGeom>
+          </p:spPr>
+        </p:pic>
+      </p:grpSp>
+      <p:sp>
+        <p:nvSpPr>
+          <p:cNvPr id="8" name="Titel 1">
+            <a:extLst>
+              <a:ext uri="{FF2B5EF4-FFF2-40B4-BE49-F238E27FC236}">
+                <a16:creationId xmlns:a16="http://schemas.microsoft.com/office/drawing/2014/main" id="{4BC00D1D-F836-07CD-3D70-4078E014F918}"/>
+              </a:ext>
+            </a:extLst>
+          </p:cNvPr>
+          <p:cNvSpPr txBox="1">
+            <a:spLocks/>
+          </p:cNvSpPr>
+          <p:nvPr/>
+        </p:nvSpPr>
+        <p:spPr>
+          <a:xfrm>
+            <a:off x="601160" y="131897"/>
+            <a:ext cx="2434140" cy="599245"/>
+          </a:xfrm>
+          <a:prstGeom prst="rect">
+            <a:avLst/>
+          </a:prstGeom>
+        </p:spPr>
+        <p:txBody>
+          <a:bodyPr vert="horz" lIns="91440" tIns="45720" rIns="91440" bIns="45720" rtlCol="0" anchor="ctr">
+            <a:normAutofit/>
+          </a:bodyPr>
+          <a:lstStyle>
+            <a:lvl1pPr algn="l" defTabSz="914400" rtl="0" eaLnBrk="1" latinLnBrk="0" hangingPunct="1">
+              <a:lnSpc>
+                <a:spcPct val="90000"/>
+              </a:lnSpc>
+              <a:spcBef>
+                <a:spcPct val="0"/>
+              </a:spcBef>
+              <a:buNone/>
+              <a:defRPr sz="4400" kern="1200">
+                <a:solidFill>
+                  <a:schemeClr val="tx1"/>
+                </a:solidFill>
+                <a:latin typeface="+mj-lt"/>
+                <a:ea typeface="+mj-ea"/>
+                <a:cs typeface="+mj-cs"/>
+              </a:defRPr>
+            </a:lvl1pPr>
+          </a:lstStyle>
+          <a:p>
+            <a:pPr algn="ctr"/>
+            <a:r>
+              <a:rPr lang="en-US" sz="3200" b="1">
+                <a:solidFill>
+                  <a:schemeClr val="bg2">
+                    <a:lumMod val="50000"/>
+                  </a:schemeClr>
+                </a:solidFill>
+              </a:rPr>
+              <a:t>Teamer App</a:t>
+            </a:r>
+          </a:p>
+        </p:txBody>
+      </p:sp>
+      <p:grpSp>
+        <p:nvGrpSpPr>
+          <p:cNvPr id="151" name="Gruppieren 150">
+            <a:extLst>
+              <a:ext uri="{FF2B5EF4-FFF2-40B4-BE49-F238E27FC236}">
+                <a16:creationId xmlns:a16="http://schemas.microsoft.com/office/drawing/2014/main" id="{06F91408-1297-8841-E115-C693FDD0A628}"/>
+              </a:ext>
+            </a:extLst>
+          </p:cNvPr>
+          <p:cNvGrpSpPr/>
+          <p:nvPr/>
+        </p:nvGrpSpPr>
+        <p:grpSpPr>
+          <a:xfrm>
+            <a:off x="2" y="6404400"/>
+            <a:ext cx="12191998" cy="453600"/>
+            <a:chOff x="0" y="5946701"/>
+            <a:chExt cx="12191998" cy="453600"/>
+          </a:xfrm>
+        </p:grpSpPr>
+        <p:sp>
+          <p:nvSpPr>
+            <p:cNvPr id="152" name="Rechteck 151">
+              <a:extLst>
+                <a:ext uri="{FF2B5EF4-FFF2-40B4-BE49-F238E27FC236}">
+                  <a16:creationId xmlns:a16="http://schemas.microsoft.com/office/drawing/2014/main" id="{BB6A8AAD-18EA-9D1C-3A01-45C88CF52D8C}"/>
+                </a:ext>
+              </a:extLst>
+            </p:cNvPr>
+            <p:cNvSpPr/>
+            <p:nvPr/>
+          </p:nvSpPr>
+          <p:spPr>
+            <a:xfrm>
+              <a:off x="0" y="5946701"/>
+              <a:ext cx="4038600" cy="453600"/>
+            </a:xfrm>
+            <a:prstGeom prst="rect">
+              <a:avLst/>
+            </a:prstGeom>
+            <a:gradFill>
+              <a:gsLst>
+                <a:gs pos="39000">
+                  <a:srgbClr val="114D68"/>
+                </a:gs>
+                <a:gs pos="0">
+                  <a:srgbClr val="155E7F"/>
+                </a:gs>
+                <a:gs pos="100000">
+                  <a:srgbClr val="0D3C52"/>
+                </a:gs>
+              </a:gsLst>
+              <a:lin ang="600000" scaled="0"/>
+            </a:gradFill>
+            <a:ln>
+              <a:noFill/>
+            </a:ln>
+          </p:spPr>
+          <p:style>
+            <a:lnRef idx="2">
+              <a:schemeClr val="accent1">
+                <a:shade val="15000"/>
+              </a:schemeClr>
+            </a:lnRef>
+            <a:fillRef idx="1">
+              <a:schemeClr val="accent1"/>
+            </a:fillRef>
+            <a:effectRef idx="0">
+              <a:schemeClr val="accent1"/>
+            </a:effectRef>
+            <a:fontRef idx="minor">
+              <a:schemeClr val="lt1"/>
+            </a:fontRef>
+          </p:style>
+          <p:txBody>
+            <a:bodyPr rtlCol="0" anchor="ctr"/>
+            <a:lstStyle/>
+            <a:p>
+              <a:pPr algn="ctr"/>
+              <a:endParaRPr lang="de-DE"/>
+            </a:p>
+          </p:txBody>
+        </p:sp>
+        <p:sp>
+          <p:nvSpPr>
+            <p:cNvPr id="153" name="Rechteck 152">
+              <a:extLst>
+                <a:ext uri="{FF2B5EF4-FFF2-40B4-BE49-F238E27FC236}">
+                  <a16:creationId xmlns:a16="http://schemas.microsoft.com/office/drawing/2014/main" id="{821E9FD4-2BDE-7821-4F20-4B96F845F439}"/>
+                </a:ext>
+              </a:extLst>
+            </p:cNvPr>
+            <p:cNvSpPr/>
+            <p:nvPr/>
+          </p:nvSpPr>
+          <p:spPr>
+            <a:xfrm>
+              <a:off x="4038600" y="5946701"/>
+              <a:ext cx="8153398" cy="453600"/>
+            </a:xfrm>
+            <a:prstGeom prst="rect">
+              <a:avLst/>
+            </a:prstGeom>
+            <a:gradFill>
+              <a:gsLst>
+                <a:gs pos="39000">
+                  <a:srgbClr val="0A2D3E"/>
+                </a:gs>
+                <a:gs pos="0">
+                  <a:srgbClr val="071F2A"/>
+                </a:gs>
+                <a:gs pos="100000">
+                  <a:srgbClr val="104760"/>
+                </a:gs>
+              </a:gsLst>
+              <a:lin ang="600000" scaled="0"/>
+            </a:gradFill>
+            <a:ln>
+              <a:noFill/>
+            </a:ln>
+          </p:spPr>
+          <p:style>
+            <a:lnRef idx="2">
+              <a:schemeClr val="accent1">
+                <a:shade val="15000"/>
+              </a:schemeClr>
+            </a:lnRef>
+            <a:fillRef idx="1">
+              <a:schemeClr val="accent1"/>
+            </a:fillRef>
+            <a:effectRef idx="0">
+              <a:schemeClr val="accent1"/>
+            </a:effectRef>
+            <a:fontRef idx="minor">
+              <a:schemeClr val="lt1"/>
+            </a:fontRef>
+          </p:style>
+          <p:txBody>
+            <a:bodyPr rtlCol="0" anchor="ctr"/>
+            <a:lstStyle/>
+            <a:p>
+              <a:pPr algn="ctr"/>
+              <a:endParaRPr lang="de-DE"/>
+            </a:p>
+          </p:txBody>
+        </p:sp>
+      </p:grpSp>
+      <p:sp>
+        <p:nvSpPr>
+          <p:cNvPr id="5" name="Textfeld 4">
+            <a:extLst>
+              <a:ext uri="{FF2B5EF4-FFF2-40B4-BE49-F238E27FC236}">
+                <a16:creationId xmlns:a16="http://schemas.microsoft.com/office/drawing/2014/main" id="{FC3D4914-55B4-A6F6-2376-54E2AEE332ED}"/>
+              </a:ext>
+            </a:extLst>
+          </p:cNvPr>
+          <p:cNvSpPr txBox="1"/>
+          <p:nvPr/>
+        </p:nvSpPr>
+        <p:spPr>
+          <a:xfrm>
+            <a:off x="859964" y="1233327"/>
+            <a:ext cx="2891904" cy="1046440"/>
+          </a:xfrm>
+          <a:prstGeom prst="rect">
+            <a:avLst/>
+          </a:prstGeom>
+          <a:noFill/>
+        </p:spPr>
+        <p:txBody>
+          <a:bodyPr wrap="square" rtlCol="0">
+            <a:spAutoFit/>
+          </a:bodyPr>
+          <a:lstStyle/>
+          <a:p>
+            <a:r>
+              <a:rPr lang="de-DE" sz="2400" b="1"/>
+              <a:t>SQLITE Datenbank</a:t>
+            </a:r>
+          </a:p>
+          <a:p>
+            <a:pPr marL="342900" indent="-342900">
+              <a:buFontTx/>
+              <a:buChar char="-"/>
+            </a:pPr>
+            <a:r>
+              <a:rPr lang="de-DE" sz="2000"/>
+              <a:t>Package: sqflite</a:t>
+            </a:r>
+          </a:p>
+          <a:p>
+            <a:pPr marL="342900" indent="-342900">
+              <a:buFontTx/>
+              <a:buChar char="-"/>
+            </a:pPr>
+            <a:r>
+              <a:rPr lang="de-DE"/>
+              <a:t>3 Tabellen:</a:t>
+            </a:r>
+          </a:p>
+        </p:txBody>
+      </p:sp>
+      <p:sp>
+        <p:nvSpPr>
+          <p:cNvPr id="4" name="Textfeld 3">
+            <a:extLst>
+              <a:ext uri="{FF2B5EF4-FFF2-40B4-BE49-F238E27FC236}">
+                <a16:creationId xmlns:a16="http://schemas.microsoft.com/office/drawing/2014/main" id="{ECF1D593-7D4E-0D29-13B1-3D4A8A1FFAED}"/>
+              </a:ext>
+            </a:extLst>
+          </p:cNvPr>
+          <p:cNvSpPr txBox="1"/>
+          <p:nvPr/>
+        </p:nvSpPr>
+        <p:spPr>
+          <a:xfrm>
+            <a:off x="4242318" y="1317333"/>
+            <a:ext cx="3272907" cy="2045139"/>
+          </a:xfrm>
+          <a:prstGeom prst="rect">
+            <a:avLst/>
+          </a:prstGeom>
+          <a:noFill/>
+          <a:ln w="19050">
+            <a:solidFill>
+              <a:srgbClr val="155D7D"/>
+            </a:solidFill>
+          </a:ln>
+        </p:spPr>
+        <p:txBody>
+          <a:bodyPr wrap="square" lIns="144000" tIns="144000" rIns="144000" bIns="180000" rtlCol="0">
+            <a:spAutoFit/>
+          </a:bodyPr>
+          <a:lstStyle/>
+          <a:p>
+            <a:r>
+              <a:rPr lang="de-DE" i="1"/>
+              <a:t>Tabelle 1:</a:t>
+            </a:r>
+            <a:br>
+              <a:rPr lang="de-DE" sz="2400" i="1"/>
+            </a:br>
+            <a:r>
+              <a:rPr lang="de-DE" sz="2400" b="1"/>
+              <a:t>Player</a:t>
+            </a:r>
+            <a:endParaRPr lang="de-DE" sz="1600"/>
+          </a:p>
+          <a:p>
+            <a:pPr marL="285750" indent="-285750">
+              <a:buFontTx/>
+              <a:buChar char="-"/>
+            </a:pPr>
+            <a:r>
+              <a:rPr lang="de-DE"/>
+              <a:t>Primary Key</a:t>
+            </a:r>
+          </a:p>
+          <a:p>
+            <a:pPr marL="285750" indent="-285750">
+              <a:buFontTx/>
+              <a:buChar char="-"/>
+            </a:pPr>
+            <a:r>
+              <a:rPr lang="de-DE"/>
+              <a:t>Name</a:t>
+            </a:r>
+          </a:p>
+          <a:p>
+            <a:pPr marL="285750" indent="-285750">
+              <a:buFontTx/>
+              <a:buChar char="-"/>
+            </a:pPr>
+            <a:endParaRPr lang="de-DE"/>
+          </a:p>
+        </p:txBody>
+      </p:sp>
+      <p:sp>
+        <p:nvSpPr>
+          <p:cNvPr id="7" name="Textfeld 6">
+            <a:extLst>
+              <a:ext uri="{FF2B5EF4-FFF2-40B4-BE49-F238E27FC236}">
+                <a16:creationId xmlns:a16="http://schemas.microsoft.com/office/drawing/2014/main" id="{1EA3C10E-C91C-8C31-7197-3C43B823D238}"/>
+              </a:ext>
+            </a:extLst>
+          </p:cNvPr>
+          <p:cNvSpPr txBox="1"/>
+          <p:nvPr/>
+        </p:nvSpPr>
+        <p:spPr>
+          <a:xfrm>
+            <a:off x="7718946" y="1317334"/>
+            <a:ext cx="3272907" cy="2045139"/>
+          </a:xfrm>
+          <a:prstGeom prst="rect">
+            <a:avLst/>
+          </a:prstGeom>
+          <a:noFill/>
+          <a:ln w="19050">
+            <a:solidFill>
+              <a:srgbClr val="155D7D"/>
+            </a:solidFill>
+          </a:ln>
+        </p:spPr>
+        <p:txBody>
+          <a:bodyPr wrap="square" lIns="144000" tIns="144000" rIns="144000" bIns="144000" rtlCol="0">
+            <a:spAutoFit/>
+          </a:bodyPr>
+          <a:lstStyle/>
+          <a:p>
+            <a:r>
+              <a:rPr lang="de-DE" sz="1600" i="1"/>
+              <a:t>Tabelle 2:</a:t>
+            </a:r>
+            <a:br>
+              <a:rPr lang="de-DE" sz="2400"/>
+            </a:br>
+            <a:r>
+              <a:rPr lang="de-DE" sz="2400" b="1"/>
+              <a:t>Game</a:t>
+            </a:r>
+            <a:endParaRPr lang="de-DE" sz="1600"/>
+          </a:p>
+          <a:p>
+            <a:pPr marL="285750" indent="-285750">
+              <a:buFontTx/>
+              <a:buChar char="-"/>
+            </a:pPr>
+            <a:r>
+              <a:rPr lang="de-DE"/>
+              <a:t>Primary Key</a:t>
+            </a:r>
+          </a:p>
+          <a:p>
+            <a:pPr marL="285750" indent="-285750">
+              <a:buFontTx/>
+              <a:buChar char="-"/>
+            </a:pPr>
+            <a:r>
+              <a:rPr lang="de-DE"/>
+              <a:t>Date</a:t>
+            </a:r>
+          </a:p>
+          <a:p>
+            <a:pPr marL="285750" indent="-285750">
+              <a:buFontTx/>
+              <a:buChar char="-"/>
+            </a:pPr>
+            <a:r>
+              <a:rPr lang="de-DE"/>
+              <a:t>GoalsRed</a:t>
+            </a:r>
+          </a:p>
+          <a:p>
+            <a:pPr marL="285750" indent="-285750">
+              <a:buFontTx/>
+              <a:buChar char="-"/>
+            </a:pPr>
+            <a:r>
+              <a:rPr lang="de-DE"/>
+              <a:t>GoalsGreen</a:t>
+            </a:r>
+          </a:p>
+          <a:p>
+            <a:pPr marL="285750" indent="-285750">
+              <a:buFontTx/>
+              <a:buChar char="-"/>
+            </a:pPr>
+            <a:endParaRPr lang="de-DE"/>
+          </a:p>
+        </p:txBody>
+      </p:sp>
+      <p:sp>
+        <p:nvSpPr>
+          <p:cNvPr id="9" name="Textfeld 8">
+            <a:extLst>
+              <a:ext uri="{FF2B5EF4-FFF2-40B4-BE49-F238E27FC236}">
+                <a16:creationId xmlns:a16="http://schemas.microsoft.com/office/drawing/2014/main" id="{BDB00AE6-C1AB-D4AE-1C78-55812C40892E}"/>
+              </a:ext>
+            </a:extLst>
+          </p:cNvPr>
+          <p:cNvSpPr txBox="1"/>
+          <p:nvPr/>
+        </p:nvSpPr>
+        <p:spPr>
+          <a:xfrm>
+            <a:off x="4242318" y="3642530"/>
+            <a:ext cx="6749535" cy="1768140"/>
+          </a:xfrm>
+          <a:prstGeom prst="rect">
+            <a:avLst/>
+          </a:prstGeom>
+          <a:noFill/>
+          <a:ln w="19050">
+            <a:solidFill>
+              <a:srgbClr val="155D7D"/>
+            </a:solidFill>
+          </a:ln>
+        </p:spPr>
+        <p:txBody>
+          <a:bodyPr wrap="square" lIns="144000" tIns="144000" rIns="144000" bIns="144000" rtlCol="0">
+            <a:spAutoFit/>
+          </a:bodyPr>
+          <a:lstStyle/>
+          <a:p>
+            <a:r>
+              <a:rPr lang="de-DE" i="1"/>
+              <a:t>Tabelle 3:</a:t>
+            </a:r>
+            <a:br>
+              <a:rPr lang="de-DE" sz="2400"/>
+            </a:br>
+            <a:r>
+              <a:rPr lang="de-DE" sz="2400" b="1"/>
+              <a:t>Matching</a:t>
+            </a:r>
+            <a:endParaRPr lang="de-DE" sz="1600"/>
+          </a:p>
+          <a:p>
+            <a:pPr marL="285750" indent="-285750">
+              <a:buFontTx/>
+              <a:buChar char="-"/>
+            </a:pPr>
+            <a:r>
+              <a:rPr lang="de-DE"/>
+              <a:t>Foreign Key Player</a:t>
+            </a:r>
+          </a:p>
+          <a:p>
+            <a:pPr marL="285750" indent="-285750">
+              <a:buFontTx/>
+              <a:buChar char="-"/>
+            </a:pPr>
+            <a:r>
+              <a:rPr lang="de-DE"/>
+              <a:t>Foreign Key Game</a:t>
+            </a:r>
+          </a:p>
+          <a:p>
+            <a:pPr marL="285750" indent="-285750">
+              <a:buFontTx/>
+              <a:buChar char="-"/>
+            </a:pPr>
+            <a:r>
+              <a:rPr lang="de-DE" i="1"/>
+              <a:t>Boolean</a:t>
+            </a:r>
+            <a:r>
+              <a:rPr lang="de-DE"/>
+              <a:t> IsRed</a:t>
+            </a:r>
+          </a:p>
+        </p:txBody>
+      </p:sp>
+    </p:spTree>
+    <p:extLst>
+      <p:ext uri="{BB962C8B-B14F-4D97-AF65-F5344CB8AC3E}">
+        <p14:creationId xmlns:p14="http://schemas.microsoft.com/office/powerpoint/2010/main" val="675914018"/>
       </p:ext>
     </p:extLst>
   </p:cSld>

--- a/Teamer.pptx
+++ b/Teamer.pptx
@@ -223,7 +223,7 @@
           <a:p>
             <a:fld id="{A475BD0F-648E-467A-A636-69955938710C}" type="datetimeFigureOut">
               <a:rPr lang="de-DE" smtClean="0"/>
-              <a:t>07.02.2025</a:t>
+              <a:t>09.02.2025</a:t>
             </a:fld>
             <a:endParaRPr lang="de-DE"/>
           </a:p>
@@ -400,7 +400,7 @@
           <a:p>
             <a:fld id="{5C29B23B-13F4-4796-97E3-381DEB9A55AC}" type="datetimeFigureOut">
               <a:rPr lang="de-DE" smtClean="0"/>
-              <a:t>07.02.2025</a:t>
+              <a:t>09.02.2025</a:t>
             </a:fld>
             <a:endParaRPr lang="de-DE"/>
           </a:p>
@@ -1114,7 +1114,7 @@
           <a:p>
             <a:fld id="{79C2F003-99E1-48AA-97ED-3A7A4F8A3DF4}" type="datetimeFigureOut">
               <a:rPr lang="de-DE" smtClean="0"/>
-              <a:t>07.02.2025</a:t>
+              <a:t>09.02.2025</a:t>
             </a:fld>
             <a:endParaRPr lang="de-DE"/>
           </a:p>
@@ -1312,7 +1312,7 @@
           <a:p>
             <a:fld id="{79C2F003-99E1-48AA-97ED-3A7A4F8A3DF4}" type="datetimeFigureOut">
               <a:rPr lang="de-DE" smtClean="0"/>
-              <a:t>07.02.2025</a:t>
+              <a:t>09.02.2025</a:t>
             </a:fld>
             <a:endParaRPr lang="de-DE"/>
           </a:p>
@@ -1520,7 +1520,7 @@
           <a:p>
             <a:fld id="{79C2F003-99E1-48AA-97ED-3A7A4F8A3DF4}" type="datetimeFigureOut">
               <a:rPr lang="de-DE" smtClean="0"/>
-              <a:t>07.02.2025</a:t>
+              <a:t>09.02.2025</a:t>
             </a:fld>
             <a:endParaRPr lang="de-DE"/>
           </a:p>
@@ -1718,7 +1718,7 @@
           <a:p>
             <a:fld id="{79C2F003-99E1-48AA-97ED-3A7A4F8A3DF4}" type="datetimeFigureOut">
               <a:rPr lang="de-DE" smtClean="0"/>
-              <a:t>07.02.2025</a:t>
+              <a:t>09.02.2025</a:t>
             </a:fld>
             <a:endParaRPr lang="de-DE"/>
           </a:p>
@@ -1993,7 +1993,7 @@
           <a:p>
             <a:fld id="{79C2F003-99E1-48AA-97ED-3A7A4F8A3DF4}" type="datetimeFigureOut">
               <a:rPr lang="de-DE" smtClean="0"/>
-              <a:t>07.02.2025</a:t>
+              <a:t>09.02.2025</a:t>
             </a:fld>
             <a:endParaRPr lang="de-DE"/>
           </a:p>
@@ -2258,7 +2258,7 @@
           <a:p>
             <a:fld id="{79C2F003-99E1-48AA-97ED-3A7A4F8A3DF4}" type="datetimeFigureOut">
               <a:rPr lang="de-DE" smtClean="0"/>
-              <a:t>07.02.2025</a:t>
+              <a:t>09.02.2025</a:t>
             </a:fld>
             <a:endParaRPr lang="de-DE"/>
           </a:p>
@@ -2670,7 +2670,7 @@
           <a:p>
             <a:fld id="{79C2F003-99E1-48AA-97ED-3A7A4F8A3DF4}" type="datetimeFigureOut">
               <a:rPr lang="de-DE" smtClean="0"/>
-              <a:t>07.02.2025</a:t>
+              <a:t>09.02.2025</a:t>
             </a:fld>
             <a:endParaRPr lang="de-DE"/>
           </a:p>
@@ -2811,7 +2811,7 @@
           <a:p>
             <a:fld id="{79C2F003-99E1-48AA-97ED-3A7A4F8A3DF4}" type="datetimeFigureOut">
               <a:rPr lang="de-DE" smtClean="0"/>
-              <a:t>07.02.2025</a:t>
+              <a:t>09.02.2025</a:t>
             </a:fld>
             <a:endParaRPr lang="de-DE"/>
           </a:p>
@@ -2924,7 +2924,7 @@
           <a:p>
             <a:fld id="{79C2F003-99E1-48AA-97ED-3A7A4F8A3DF4}" type="datetimeFigureOut">
               <a:rPr lang="de-DE" smtClean="0"/>
-              <a:t>07.02.2025</a:t>
+              <a:t>09.02.2025</a:t>
             </a:fld>
             <a:endParaRPr lang="de-DE"/>
           </a:p>
@@ -3235,7 +3235,7 @@
           <a:p>
             <a:fld id="{79C2F003-99E1-48AA-97ED-3A7A4F8A3DF4}" type="datetimeFigureOut">
               <a:rPr lang="de-DE" smtClean="0"/>
-              <a:t>07.02.2025</a:t>
+              <a:t>09.02.2025</a:t>
             </a:fld>
             <a:endParaRPr lang="de-DE"/>
           </a:p>
@@ -3523,7 +3523,7 @@
           <a:p>
             <a:fld id="{79C2F003-99E1-48AA-97ED-3A7A4F8A3DF4}" type="datetimeFigureOut">
               <a:rPr lang="de-DE" smtClean="0"/>
-              <a:t>07.02.2025</a:t>
+              <a:t>09.02.2025</a:t>
             </a:fld>
             <a:endParaRPr lang="de-DE"/>
           </a:p>
@@ -3764,7 +3764,7 @@
           <a:p>
             <a:fld id="{79C2F003-99E1-48AA-97ED-3A7A4F8A3DF4}" type="datetimeFigureOut">
               <a:rPr lang="de-DE" smtClean="0"/>
-              <a:t>07.02.2025</a:t>
+              <a:t>09.02.2025</a:t>
             </a:fld>
             <a:endParaRPr lang="de-DE"/>
           </a:p>
@@ -25228,8 +25228,8 @@
         </p:nvSpPr>
         <p:spPr>
           <a:xfrm>
-            <a:off x="1809750" y="1085850"/>
-            <a:ext cx="6953250" cy="923330"/>
+            <a:off x="1809750" y="1111975"/>
+            <a:ext cx="6953250" cy="2031325"/>
           </a:xfrm>
           <a:prstGeom prst="rect">
             <a:avLst/>
@@ -25265,6 +25265,46 @@
             <a:r>
               <a:rPr lang="de-DE"/>
               <a:t>Screen Stats erstellen </a:t>
+            </a:r>
+          </a:p>
+          <a:p>
+            <a:pPr marL="285750" indent="-285750">
+              <a:buFontTx/>
+              <a:buChar char="-"/>
+            </a:pPr>
+            <a:r>
+              <a:rPr lang="de-DE"/>
+              <a:t>Einteilung</a:t>
+            </a:r>
+          </a:p>
+          <a:p>
+            <a:pPr marL="742950" lvl="1" indent="-285750">
+              <a:buFontTx/>
+              <a:buChar char="-"/>
+            </a:pPr>
+            <a:r>
+              <a:rPr lang="de-DE"/>
+              <a:t>Automatisch</a:t>
+            </a:r>
+          </a:p>
+          <a:p>
+            <a:pPr marL="742950" lvl="1" indent="-285750">
+              <a:buFontTx/>
+              <a:buChar char="-"/>
+            </a:pPr>
+            <a:r>
+              <a:rPr lang="de-DE"/>
+              <a:t>Zufällig</a:t>
+            </a:r>
+          </a:p>
+          <a:p>
+            <a:pPr marL="742950" lvl="1" indent="-285750">
+              <a:buFontTx/>
+              <a:buChar char="-"/>
+            </a:pPr>
+            <a:r>
+              <a:rPr lang="de-DE"/>
+              <a:t>Manuell</a:t>
             </a:r>
           </a:p>
         </p:txBody>
@@ -25696,7 +25736,7 @@
         <p:spPr>
           <a:xfrm>
             <a:off x="4242318" y="1317333"/>
-            <a:ext cx="3272907" cy="2045139"/>
+            <a:ext cx="3272907" cy="2081490"/>
           </a:xfrm>
           <a:prstGeom prst="rect">
             <a:avLst/>
@@ -25745,6 +25785,16 @@
             <a:r>
               <a:rPr lang="de-DE"/>
               <a:t>Name</a:t>
+            </a:r>
+          </a:p>
+          <a:p>
+            <a:pPr marL="285750" indent="-285750">
+              <a:buFontTx/>
+              <a:buChar char="-"/>
+            </a:pPr>
+            <a:r>
+              <a:rPr lang="de-DE"/>
+              <a:t>Selected</a:t>
             </a:r>
           </a:p>
           <a:p>

--- a/Teamer.pptx
+++ b/Teamer.pptx
@@ -25229,7 +25229,7 @@
         <p:spPr>
           <a:xfrm>
             <a:off x="1809750" y="1111975"/>
-            <a:ext cx="6953250" cy="2031325"/>
+            <a:ext cx="6953250" cy="2308324"/>
           </a:xfrm>
           <a:prstGeom prst="rect">
             <a:avLst/>
@@ -25265,6 +25265,16 @@
             <a:r>
               <a:rPr lang="de-DE"/>
               <a:t>Screen Stats erstellen </a:t>
+            </a:r>
+          </a:p>
+          <a:p>
+            <a:pPr marL="285750" indent="-285750">
+              <a:buFontTx/>
+              <a:buChar char="-"/>
+            </a:pPr>
+            <a:r>
+              <a:rPr lang="de-DE"/>
+              <a:t>SplashScreen</a:t>
             </a:r>
           </a:p>
           <a:p>

--- a/Teamer.pptx
+++ b/Teamer.pptx
@@ -223,7 +223,7 @@
           <a:p>
             <a:fld id="{A475BD0F-648E-467A-A636-69955938710C}" type="datetimeFigureOut">
               <a:rPr lang="de-DE" smtClean="0"/>
-              <a:t>09.02.2025</a:t>
+              <a:t>28.05.2025</a:t>
             </a:fld>
             <a:endParaRPr lang="de-DE"/>
           </a:p>
@@ -400,7 +400,7 @@
           <a:p>
             <a:fld id="{5C29B23B-13F4-4796-97E3-381DEB9A55AC}" type="datetimeFigureOut">
               <a:rPr lang="de-DE" smtClean="0"/>
-              <a:t>09.02.2025</a:t>
+              <a:t>28.05.2025</a:t>
             </a:fld>
             <a:endParaRPr lang="de-DE"/>
           </a:p>
@@ -1114,7 +1114,7 @@
           <a:p>
             <a:fld id="{79C2F003-99E1-48AA-97ED-3A7A4F8A3DF4}" type="datetimeFigureOut">
               <a:rPr lang="de-DE" smtClean="0"/>
-              <a:t>09.02.2025</a:t>
+              <a:t>28.05.2025</a:t>
             </a:fld>
             <a:endParaRPr lang="de-DE"/>
           </a:p>
@@ -1312,7 +1312,7 @@
           <a:p>
             <a:fld id="{79C2F003-99E1-48AA-97ED-3A7A4F8A3DF4}" type="datetimeFigureOut">
               <a:rPr lang="de-DE" smtClean="0"/>
-              <a:t>09.02.2025</a:t>
+              <a:t>28.05.2025</a:t>
             </a:fld>
             <a:endParaRPr lang="de-DE"/>
           </a:p>
@@ -1520,7 +1520,7 @@
           <a:p>
             <a:fld id="{79C2F003-99E1-48AA-97ED-3A7A4F8A3DF4}" type="datetimeFigureOut">
               <a:rPr lang="de-DE" smtClean="0"/>
-              <a:t>09.02.2025</a:t>
+              <a:t>28.05.2025</a:t>
             </a:fld>
             <a:endParaRPr lang="de-DE"/>
           </a:p>
@@ -1718,7 +1718,7 @@
           <a:p>
             <a:fld id="{79C2F003-99E1-48AA-97ED-3A7A4F8A3DF4}" type="datetimeFigureOut">
               <a:rPr lang="de-DE" smtClean="0"/>
-              <a:t>09.02.2025</a:t>
+              <a:t>28.05.2025</a:t>
             </a:fld>
             <a:endParaRPr lang="de-DE"/>
           </a:p>
@@ -1993,7 +1993,7 @@
           <a:p>
             <a:fld id="{79C2F003-99E1-48AA-97ED-3A7A4F8A3DF4}" type="datetimeFigureOut">
               <a:rPr lang="de-DE" smtClean="0"/>
-              <a:t>09.02.2025</a:t>
+              <a:t>28.05.2025</a:t>
             </a:fld>
             <a:endParaRPr lang="de-DE"/>
           </a:p>
@@ -2258,7 +2258,7 @@
           <a:p>
             <a:fld id="{79C2F003-99E1-48AA-97ED-3A7A4F8A3DF4}" type="datetimeFigureOut">
               <a:rPr lang="de-DE" smtClean="0"/>
-              <a:t>09.02.2025</a:t>
+              <a:t>28.05.2025</a:t>
             </a:fld>
             <a:endParaRPr lang="de-DE"/>
           </a:p>
@@ -2670,7 +2670,7 @@
           <a:p>
             <a:fld id="{79C2F003-99E1-48AA-97ED-3A7A4F8A3DF4}" type="datetimeFigureOut">
               <a:rPr lang="de-DE" smtClean="0"/>
-              <a:t>09.02.2025</a:t>
+              <a:t>28.05.2025</a:t>
             </a:fld>
             <a:endParaRPr lang="de-DE"/>
           </a:p>
@@ -2811,7 +2811,7 @@
           <a:p>
             <a:fld id="{79C2F003-99E1-48AA-97ED-3A7A4F8A3DF4}" type="datetimeFigureOut">
               <a:rPr lang="de-DE" smtClean="0"/>
-              <a:t>09.02.2025</a:t>
+              <a:t>28.05.2025</a:t>
             </a:fld>
             <a:endParaRPr lang="de-DE"/>
           </a:p>
@@ -2924,7 +2924,7 @@
           <a:p>
             <a:fld id="{79C2F003-99E1-48AA-97ED-3A7A4F8A3DF4}" type="datetimeFigureOut">
               <a:rPr lang="de-DE" smtClean="0"/>
-              <a:t>09.02.2025</a:t>
+              <a:t>28.05.2025</a:t>
             </a:fld>
             <a:endParaRPr lang="de-DE"/>
           </a:p>
@@ -3235,7 +3235,7 @@
           <a:p>
             <a:fld id="{79C2F003-99E1-48AA-97ED-3A7A4F8A3DF4}" type="datetimeFigureOut">
               <a:rPr lang="de-DE" smtClean="0"/>
-              <a:t>09.02.2025</a:t>
+              <a:t>28.05.2025</a:t>
             </a:fld>
             <a:endParaRPr lang="de-DE"/>
           </a:p>
@@ -3523,7 +3523,7 @@
           <a:p>
             <a:fld id="{79C2F003-99E1-48AA-97ED-3A7A4F8A3DF4}" type="datetimeFigureOut">
               <a:rPr lang="de-DE" smtClean="0"/>
-              <a:t>09.02.2025</a:t>
+              <a:t>28.05.2025</a:t>
             </a:fld>
             <a:endParaRPr lang="de-DE"/>
           </a:p>
@@ -3764,7 +3764,7 @@
           <a:p>
             <a:fld id="{79C2F003-99E1-48AA-97ED-3A7A4F8A3DF4}" type="datetimeFigureOut">
               <a:rPr lang="de-DE" smtClean="0"/>
-              <a:t>09.02.2025</a:t>
+              <a:t>28.05.2025</a:t>
             </a:fld>
             <a:endParaRPr lang="de-DE"/>
           </a:p>
@@ -5250,96 +5250,6 @@
       </p:sp>
       <p:sp>
         <p:nvSpPr>
-          <p:cNvPr id="15" name="Rechteck: abgerundete Ecken 14">
-            <a:extLst>
-              <a:ext uri="{FF2B5EF4-FFF2-40B4-BE49-F238E27FC236}">
-                <a16:creationId xmlns:a16="http://schemas.microsoft.com/office/drawing/2014/main" id="{BB17BD24-9E7F-82DE-CBDC-7ABE9B4BF694}"/>
-              </a:ext>
-            </a:extLst>
-          </p:cNvPr>
-          <p:cNvSpPr>
-            <a:spLocks noChangeAspect="1"/>
-          </p:cNvSpPr>
-          <p:nvPr/>
-        </p:nvSpPr>
-        <p:spPr>
-          <a:xfrm>
-            <a:off x="2066806" y="2061000"/>
-            <a:ext cx="2736000" cy="2736000"/>
-          </a:xfrm>
-          <a:prstGeom prst="roundRect">
-            <a:avLst/>
-          </a:prstGeom>
-          <a:solidFill>
-            <a:srgbClr val="262626"/>
-          </a:solidFill>
-          <a:ln>
-            <a:noFill/>
-          </a:ln>
-        </p:spPr>
-        <p:style>
-          <a:lnRef idx="2">
-            <a:schemeClr val="accent1">
-              <a:shade val="15000"/>
-            </a:schemeClr>
-          </a:lnRef>
-          <a:fillRef idx="1">
-            <a:schemeClr val="accent1"/>
-          </a:fillRef>
-          <a:effectRef idx="0">
-            <a:schemeClr val="accent1"/>
-          </a:effectRef>
-          <a:fontRef idx="minor">
-            <a:schemeClr val="lt1"/>
-          </a:fontRef>
-        </p:style>
-        <p:txBody>
-          <a:bodyPr rtlCol="0" anchor="ctr"/>
-          <a:lstStyle/>
-          <a:p>
-            <a:pPr algn="ctr"/>
-            <a:endParaRPr lang="de-DE"/>
-          </a:p>
-        </p:txBody>
-      </p:sp>
-      <p:pic>
-        <p:nvPicPr>
-          <p:cNvPr id="13" name="Grafik 12" descr="Ein Bild, das Ball, Golf, Golfball, Sportausrüstung enthält.&#10;&#10;Automatisch generierte Beschreibung">
-            <a:extLst>
-              <a:ext uri="{FF2B5EF4-FFF2-40B4-BE49-F238E27FC236}">
-                <a16:creationId xmlns:a16="http://schemas.microsoft.com/office/drawing/2014/main" id="{27322DB1-A781-82FC-42FE-85C9FC48EFE8}"/>
-              </a:ext>
-            </a:extLst>
-          </p:cNvPr>
-          <p:cNvPicPr>
-            <a:picLocks noChangeAspect="1"/>
-          </p:cNvPicPr>
-          <p:nvPr/>
-        </p:nvPicPr>
-        <p:blipFill>
-          <a:blip r:embed="rId2">
-            <a:extLst>
-              <a:ext uri="{28A0092B-C50C-407E-A947-70E740481C1C}">
-                <a14:useLocalDpi xmlns:a14="http://schemas.microsoft.com/office/drawing/2010/main" val="0"/>
-              </a:ext>
-            </a:extLst>
-          </a:blip>
-          <a:stretch>
-            <a:fillRect/>
-          </a:stretch>
-        </p:blipFill>
-        <p:spPr>
-          <a:xfrm>
-            <a:off x="2456478" y="2451138"/>
-            <a:ext cx="1956656" cy="1956656"/>
-          </a:xfrm>
-          <a:prstGeom prst="rect">
-            <a:avLst/>
-          </a:prstGeom>
-        </p:spPr>
-      </p:pic>
-      <p:sp>
-        <p:nvSpPr>
           <p:cNvPr id="23" name="Textfeld 22">
             <a:extLst>
               <a:ext uri="{FF2B5EF4-FFF2-40B4-BE49-F238E27FC236}">
@@ -5389,6 +5299,357 @@
           </a:p>
         </p:txBody>
       </p:sp>
+      <p:pic>
+        <p:nvPicPr>
+          <p:cNvPr id="24" name="Grafik 23" descr="Ein Bild, das Ball, Golf, Golfball, Sportausrüstung enthält.&#10;&#10;Automatisch generierte Beschreibung">
+            <a:extLst>
+              <a:ext uri="{FF2B5EF4-FFF2-40B4-BE49-F238E27FC236}">
+                <a16:creationId xmlns:a16="http://schemas.microsoft.com/office/drawing/2014/main" id="{3B0DBD2F-EBCB-2DEF-8A9F-E0959DB46A92}"/>
+              </a:ext>
+            </a:extLst>
+          </p:cNvPr>
+          <p:cNvPicPr>
+            <a:picLocks noChangeAspect="1"/>
+          </p:cNvPicPr>
+          <p:nvPr/>
+        </p:nvPicPr>
+        <p:blipFill>
+          <a:blip r:embed="rId2">
+            <a:extLst>
+              <a:ext uri="{28A0092B-C50C-407E-A947-70E740481C1C}">
+                <a14:useLocalDpi xmlns:a14="http://schemas.microsoft.com/office/drawing/2010/main" val="0"/>
+              </a:ext>
+            </a:extLst>
+          </a:blip>
+          <a:srcRect l="15001" t="84915" r="15001" b="567"/>
+          <a:stretch>
+            <a:fillRect/>
+          </a:stretch>
+        </p:blipFill>
+        <p:spPr>
+          <a:xfrm>
+            <a:off x="7395000" y="4102470"/>
+            <a:ext cx="1369602" cy="284077"/>
+          </a:xfrm>
+          <a:custGeom>
+            <a:avLst/>
+            <a:gdLst>
+              <a:gd name="connsiteX0" fmla="*/ 0 w 1369602"/>
+              <a:gd name="connsiteY0" fmla="*/ 0 h 284077"/>
+              <a:gd name="connsiteX1" fmla="*/ 141636 w 1369602"/>
+              <a:gd name="connsiteY1" fmla="*/ 116859 h 284077"/>
+              <a:gd name="connsiteX2" fmla="*/ 684801 w 1369602"/>
+              <a:gd name="connsiteY2" fmla="*/ 282773 h 284077"/>
+              <a:gd name="connsiteX3" fmla="*/ 1227966 w 1369602"/>
+              <a:gd name="connsiteY3" fmla="*/ 116859 h 284077"/>
+              <a:gd name="connsiteX4" fmla="*/ 1369602 w 1369602"/>
+              <a:gd name="connsiteY4" fmla="*/ 0 h 284077"/>
+              <a:gd name="connsiteX5" fmla="*/ 1369071 w 1369602"/>
+              <a:gd name="connsiteY5" fmla="*/ 643 h 284077"/>
+              <a:gd name="connsiteX6" fmla="*/ 684801 w 1369602"/>
+              <a:gd name="connsiteY6" fmla="*/ 284077 h 284077"/>
+              <a:gd name="connsiteX7" fmla="*/ 531 w 1369602"/>
+              <a:gd name="connsiteY7" fmla="*/ 643 h 284077"/>
+              <a:gd name="connsiteX8" fmla="*/ 0 w 1369602"/>
+              <a:gd name="connsiteY8" fmla="*/ 0 h 284077"/>
+            </a:gdLst>
+            <a:ahLst/>
+            <a:cxnLst>
+              <a:cxn ang="0">
+                <a:pos x="connsiteX0" y="connsiteY0"/>
+              </a:cxn>
+              <a:cxn ang="0">
+                <a:pos x="connsiteX1" y="connsiteY1"/>
+              </a:cxn>
+              <a:cxn ang="0">
+                <a:pos x="connsiteX2" y="connsiteY2"/>
+              </a:cxn>
+              <a:cxn ang="0">
+                <a:pos x="connsiteX3" y="connsiteY3"/>
+              </a:cxn>
+              <a:cxn ang="0">
+                <a:pos x="connsiteX4" y="connsiteY4"/>
+              </a:cxn>
+              <a:cxn ang="0">
+                <a:pos x="connsiteX5" y="connsiteY5"/>
+              </a:cxn>
+              <a:cxn ang="0">
+                <a:pos x="connsiteX6" y="connsiteY6"/>
+              </a:cxn>
+              <a:cxn ang="0">
+                <a:pos x="connsiteX7" y="connsiteY7"/>
+              </a:cxn>
+              <a:cxn ang="0">
+                <a:pos x="connsiteX8" y="connsiteY8"/>
+              </a:cxn>
+            </a:cxnLst>
+            <a:rect l="l" t="t" r="r" b="b"/>
+            <a:pathLst>
+              <a:path w="1369602" h="284077">
+                <a:moveTo>
+                  <a:pt x="0" y="0"/>
+                </a:moveTo>
+                <a:lnTo>
+                  <a:pt x="141636" y="116859"/>
+                </a:lnTo>
+                <a:cubicBezTo>
+                  <a:pt x="296686" y="221609"/>
+                  <a:pt x="483601" y="282773"/>
+                  <a:pt x="684801" y="282773"/>
+                </a:cubicBezTo>
+                <a:cubicBezTo>
+                  <a:pt x="886002" y="282773"/>
+                  <a:pt x="1072916" y="221609"/>
+                  <a:pt x="1227966" y="116859"/>
+                </a:cubicBezTo>
+                <a:lnTo>
+                  <a:pt x="1369602" y="0"/>
+                </a:lnTo>
+                <a:lnTo>
+                  <a:pt x="1369071" y="643"/>
+                </a:lnTo>
+                <a:cubicBezTo>
+                  <a:pt x="1193951" y="175763"/>
+                  <a:pt x="952025" y="284077"/>
+                  <a:pt x="684801" y="284077"/>
+                </a:cubicBezTo>
+                <a:cubicBezTo>
+                  <a:pt x="417577" y="284077"/>
+                  <a:pt x="175651" y="175763"/>
+                  <a:pt x="531" y="643"/>
+                </a:cubicBezTo>
+                <a:lnTo>
+                  <a:pt x="0" y="0"/>
+                </a:lnTo>
+                <a:close/>
+              </a:path>
+            </a:pathLst>
+          </a:custGeom>
+        </p:spPr>
+      </p:pic>
+      <p:grpSp>
+        <p:nvGrpSpPr>
+          <p:cNvPr id="26" name="Gruppieren 25">
+            <a:extLst>
+              <a:ext uri="{FF2B5EF4-FFF2-40B4-BE49-F238E27FC236}">
+                <a16:creationId xmlns:a16="http://schemas.microsoft.com/office/drawing/2014/main" id="{556347DC-64A3-6E88-7C3E-39543FDF5BB8}"/>
+              </a:ext>
+            </a:extLst>
+          </p:cNvPr>
+          <p:cNvGrpSpPr/>
+          <p:nvPr/>
+        </p:nvGrpSpPr>
+        <p:grpSpPr>
+          <a:xfrm>
+            <a:off x="2066806" y="2061000"/>
+            <a:ext cx="2736000" cy="2736000"/>
+            <a:chOff x="2066806" y="2061000"/>
+            <a:chExt cx="2736000" cy="2736000"/>
+          </a:xfrm>
+        </p:grpSpPr>
+        <p:sp>
+          <p:nvSpPr>
+            <p:cNvPr id="15" name="Rechteck: abgerundete Ecken 14">
+              <a:extLst>
+                <a:ext uri="{FF2B5EF4-FFF2-40B4-BE49-F238E27FC236}">
+                  <a16:creationId xmlns:a16="http://schemas.microsoft.com/office/drawing/2014/main" id="{BB17BD24-9E7F-82DE-CBDC-7ABE9B4BF694}"/>
+                </a:ext>
+              </a:extLst>
+            </p:cNvPr>
+            <p:cNvSpPr>
+              <a:spLocks noChangeAspect="1"/>
+            </p:cNvSpPr>
+            <p:nvPr/>
+          </p:nvSpPr>
+          <p:spPr>
+            <a:xfrm>
+              <a:off x="2066806" y="2061000"/>
+              <a:ext cx="2736000" cy="2736000"/>
+            </a:xfrm>
+            <a:prstGeom prst="roundRect">
+              <a:avLst/>
+            </a:prstGeom>
+            <a:solidFill>
+              <a:srgbClr val="262626"/>
+            </a:solidFill>
+            <a:ln>
+              <a:noFill/>
+            </a:ln>
+          </p:spPr>
+          <p:style>
+            <a:lnRef idx="2">
+              <a:schemeClr val="accent1">
+                <a:shade val="15000"/>
+              </a:schemeClr>
+            </a:lnRef>
+            <a:fillRef idx="1">
+              <a:schemeClr val="accent1"/>
+            </a:fillRef>
+            <a:effectRef idx="0">
+              <a:schemeClr val="accent1"/>
+            </a:effectRef>
+            <a:fontRef idx="minor">
+              <a:schemeClr val="lt1"/>
+            </a:fontRef>
+          </p:style>
+          <p:txBody>
+            <a:bodyPr rtlCol="0" anchor="ctr"/>
+            <a:lstStyle/>
+            <a:p>
+              <a:pPr algn="ctr"/>
+              <a:endParaRPr lang="de-DE"/>
+            </a:p>
+          </p:txBody>
+        </p:sp>
+        <p:pic>
+          <p:nvPicPr>
+            <p:cNvPr id="19" name="Grafik 18" descr="Ein Bild, das Ball, Golf, Golfball, Sportausrüstung enthält.&#10;&#10;Automatisch generierte Beschreibung">
+              <a:extLst>
+                <a:ext uri="{FF2B5EF4-FFF2-40B4-BE49-F238E27FC236}">
+                  <a16:creationId xmlns:a16="http://schemas.microsoft.com/office/drawing/2014/main" id="{0B61A820-9523-F996-B808-DF3315754A0F}"/>
+                </a:ext>
+              </a:extLst>
+            </p:cNvPr>
+            <p:cNvPicPr>
+              <a:picLocks noChangeAspect="1"/>
+            </p:cNvPicPr>
+            <p:nvPr/>
+          </p:nvPicPr>
+          <p:blipFill>
+            <a:blip r:embed="rId2">
+              <a:extLst>
+                <a:ext uri="{28A0092B-C50C-407E-A947-70E740481C1C}">
+                  <a14:useLocalDpi xmlns:a14="http://schemas.microsoft.com/office/drawing/2010/main" val="0"/>
+                </a:ext>
+              </a:extLst>
+            </a:blip>
+            <a:srcRect l="543" t="519" r="543" b="634"/>
+            <a:stretch>
+              <a:fillRect/>
+            </a:stretch>
+          </p:blipFill>
+          <p:spPr>
+            <a:xfrm>
+              <a:off x="2467102" y="2461948"/>
+              <a:ext cx="1935408" cy="1934104"/>
+            </a:xfrm>
+            <a:custGeom>
+              <a:avLst/>
+              <a:gdLst>
+                <a:gd name="connsiteX0" fmla="*/ 967704 w 1935408"/>
+                <a:gd name="connsiteY0" fmla="*/ 0 h 1934104"/>
+                <a:gd name="connsiteX1" fmla="*/ 1935408 w 1935408"/>
+                <a:gd name="connsiteY1" fmla="*/ 967704 h 1934104"/>
+                <a:gd name="connsiteX2" fmla="*/ 1770139 w 1935408"/>
+                <a:gd name="connsiteY2" fmla="*/ 1508756 h 1934104"/>
+                <a:gd name="connsiteX3" fmla="*/ 1652505 w 1935408"/>
+                <a:gd name="connsiteY3" fmla="*/ 1651331 h 1934104"/>
+                <a:gd name="connsiteX4" fmla="*/ 1510869 w 1935408"/>
+                <a:gd name="connsiteY4" fmla="*/ 1768190 h 1934104"/>
+                <a:gd name="connsiteX5" fmla="*/ 967704 w 1935408"/>
+                <a:gd name="connsiteY5" fmla="*/ 1934104 h 1934104"/>
+                <a:gd name="connsiteX6" fmla="*/ 424539 w 1935408"/>
+                <a:gd name="connsiteY6" fmla="*/ 1768190 h 1934104"/>
+                <a:gd name="connsiteX7" fmla="*/ 282903 w 1935408"/>
+                <a:gd name="connsiteY7" fmla="*/ 1651331 h 1934104"/>
+                <a:gd name="connsiteX8" fmla="*/ 165269 w 1935408"/>
+                <a:gd name="connsiteY8" fmla="*/ 1508756 h 1934104"/>
+                <a:gd name="connsiteX9" fmla="*/ 0 w 1935408"/>
+                <a:gd name="connsiteY9" fmla="*/ 967704 h 1934104"/>
+                <a:gd name="connsiteX10" fmla="*/ 967704 w 1935408"/>
+                <a:gd name="connsiteY10" fmla="*/ 0 h 1934104"/>
+              </a:gdLst>
+              <a:ahLst/>
+              <a:cxnLst>
+                <a:cxn ang="0">
+                  <a:pos x="connsiteX0" y="connsiteY0"/>
+                </a:cxn>
+                <a:cxn ang="0">
+                  <a:pos x="connsiteX1" y="connsiteY1"/>
+                </a:cxn>
+                <a:cxn ang="0">
+                  <a:pos x="connsiteX2" y="connsiteY2"/>
+                </a:cxn>
+                <a:cxn ang="0">
+                  <a:pos x="connsiteX3" y="connsiteY3"/>
+                </a:cxn>
+                <a:cxn ang="0">
+                  <a:pos x="connsiteX4" y="connsiteY4"/>
+                </a:cxn>
+                <a:cxn ang="0">
+                  <a:pos x="connsiteX5" y="connsiteY5"/>
+                </a:cxn>
+                <a:cxn ang="0">
+                  <a:pos x="connsiteX6" y="connsiteY6"/>
+                </a:cxn>
+                <a:cxn ang="0">
+                  <a:pos x="connsiteX7" y="connsiteY7"/>
+                </a:cxn>
+                <a:cxn ang="0">
+                  <a:pos x="connsiteX8" y="connsiteY8"/>
+                </a:cxn>
+                <a:cxn ang="0">
+                  <a:pos x="connsiteX9" y="connsiteY9"/>
+                </a:cxn>
+                <a:cxn ang="0">
+                  <a:pos x="connsiteX10" y="connsiteY10"/>
+                </a:cxn>
+              </a:cxnLst>
+              <a:rect l="l" t="t" r="r" b="b"/>
+              <a:pathLst>
+                <a:path w="1935408" h="1934104">
+                  <a:moveTo>
+                    <a:pt x="967704" y="0"/>
+                  </a:moveTo>
+                  <a:cubicBezTo>
+                    <a:pt x="1502152" y="0"/>
+                    <a:pt x="1935408" y="433256"/>
+                    <a:pt x="1935408" y="967704"/>
+                  </a:cubicBezTo>
+                  <a:cubicBezTo>
+                    <a:pt x="1935408" y="1168122"/>
+                    <a:pt x="1874481" y="1354310"/>
+                    <a:pt x="1770139" y="1508756"/>
+                  </a:cubicBezTo>
+                  <a:lnTo>
+                    <a:pt x="1652505" y="1651331"/>
+                  </a:lnTo>
+                  <a:lnTo>
+                    <a:pt x="1510869" y="1768190"/>
+                  </a:lnTo>
+                  <a:cubicBezTo>
+                    <a:pt x="1355819" y="1872940"/>
+                    <a:pt x="1168905" y="1934104"/>
+                    <a:pt x="967704" y="1934104"/>
+                  </a:cubicBezTo>
+                  <a:cubicBezTo>
+                    <a:pt x="766504" y="1934104"/>
+                    <a:pt x="579589" y="1872940"/>
+                    <a:pt x="424539" y="1768190"/>
+                  </a:cubicBezTo>
+                  <a:lnTo>
+                    <a:pt x="282903" y="1651331"/>
+                  </a:lnTo>
+                  <a:lnTo>
+                    <a:pt x="165269" y="1508756"/>
+                  </a:lnTo>
+                  <a:cubicBezTo>
+                    <a:pt x="60927" y="1354310"/>
+                    <a:pt x="0" y="1168122"/>
+                    <a:pt x="0" y="967704"/>
+                  </a:cubicBezTo>
+                  <a:cubicBezTo>
+                    <a:pt x="0" y="433256"/>
+                    <a:pt x="433256" y="0"/>
+                    <a:pt x="967704" y="0"/>
+                  </a:cubicBezTo>
+                  <a:close/>
+                </a:path>
+              </a:pathLst>
+            </a:custGeom>
+          </p:spPr>
+        </p:pic>
+      </p:grpSp>
     </p:spTree>
     <p:extLst>
       <p:ext uri="{BB962C8B-B14F-4D97-AF65-F5344CB8AC3E}">
